--- a/Polygon Workshop End.pptx
+++ b/Polygon Workshop End.pptx
@@ -10,8 +10,8 @@
   <p:sldIdLst>
     <p:sldId id="256" r:id="rId2"/>
     <p:sldId id="258" r:id="rId3"/>
-    <p:sldId id="261" r:id="rId4"/>
-    <p:sldId id="263" r:id="rId5"/>
+    <p:sldId id="263" r:id="rId4"/>
+    <p:sldId id="261" r:id="rId5"/>
     <p:sldId id="262" r:id="rId6"/>
     <p:sldId id="264" r:id="rId7"/>
     <p:sldId id="268" r:id="rId8"/>
@@ -206,7 +206,7 @@
           <a:p>
             <a:fld id="{0BBA2114-A13D-4347-BC1C-F00B30448DE8}" type="datetimeFigureOut">
               <a:rPr lang="de-DE" smtClean="0"/>
-              <a:t>09.07.2016</a:t>
+              <a:t>11.07.2016</a:t>
             </a:fld>
             <a:endParaRPr lang="de-DE"/>
           </a:p>
@@ -270,35 +270,35 @@
           <a:p>
             <a:pPr lvl="0"/>
             <a:r>
-              <a:rPr lang="en-US" smtClean="0"/>
+              <a:rPr lang="en-US"/>
               <a:t>Click to edit Master text styles</a:t>
             </a:r>
           </a:p>
           <a:p>
             <a:pPr lvl="1"/>
             <a:r>
-              <a:rPr lang="en-US" smtClean="0"/>
+              <a:rPr lang="en-US"/>
               <a:t>Second level</a:t>
             </a:r>
           </a:p>
           <a:p>
             <a:pPr lvl="2"/>
             <a:r>
-              <a:rPr lang="en-US" smtClean="0"/>
+              <a:rPr lang="en-US"/>
               <a:t>Third level</a:t>
             </a:r>
           </a:p>
           <a:p>
             <a:pPr lvl="3"/>
             <a:r>
-              <a:rPr lang="en-US" smtClean="0"/>
+              <a:rPr lang="en-US"/>
               <a:t>Fourth level</a:t>
             </a:r>
           </a:p>
           <a:p>
             <a:pPr lvl="4"/>
             <a:r>
-              <a:rPr lang="en-US" smtClean="0"/>
+              <a:rPr lang="en-US"/>
               <a:t>Fifth level</a:t>
             </a:r>
             <a:endParaRPr lang="de-DE"/>
@@ -365,7 +365,7 @@
           <a:p>
             <a:fld id="{655F968B-BD59-4CD7-97F4-315844A6ACFD}" type="slidenum">
               <a:rPr lang="de-DE" smtClean="0"/>
-              <a:t>‹Nr.›</a:t>
+              <a:t>‹#›</a:t>
             </a:fld>
             <a:endParaRPr lang="de-DE"/>
           </a:p>
@@ -518,7 +518,7 @@
           </a:lstStyle>
           <a:p>
             <a:r>
-              <a:rPr lang="en-US" smtClean="0"/>
+              <a:rPr lang="en-US"/>
               <a:t>Click to edit Master title style</a:t>
             </a:r>
             <a:endParaRPr lang="en-US" dirty="0"/>
@@ -598,7 +598,7 @@
           </a:lstStyle>
           <a:p>
             <a:r>
-              <a:rPr lang="en-US" smtClean="0"/>
+              <a:rPr lang="en-US"/>
               <a:t>Click to edit Master subtitle style</a:t>
             </a:r>
             <a:endParaRPr lang="en-US" dirty="0"/>
@@ -626,7 +626,7 @@
           <a:p>
             <a:fld id="{6AD6EE87-EBD5-4F12-A48A-63ACA297AC8F}" type="datetimeFigureOut">
               <a:rPr lang="en-US" dirty="0"/>
-              <a:t>7/9/2016</a:t>
+              <a:t>7/11/2016</a:t>
             </a:fld>
             <a:endParaRPr lang="en-US" dirty="0"/>
           </a:p>
@@ -668,7 +668,7 @@
           <a:p>
             <a:fld id="{4FAB73BC-B049-4115-A692-8D63A059BFB8}" type="slidenum">
               <a:rPr lang="en-US" dirty="0"/>
-              <a:t>‹Nr.›</a:t>
+              <a:t>‹#›</a:t>
             </a:fld>
             <a:endParaRPr lang="en-US" dirty="0"/>
           </a:p>
@@ -788,7 +788,7 @@
           <a:lstStyle/>
           <a:p>
             <a:r>
-              <a:rPr lang="en-US" smtClean="0"/>
+              <a:rPr lang="en-US"/>
               <a:t>Click to edit Master title style</a:t>
             </a:r>
             <a:endParaRPr lang="en-US" dirty="0"/>
@@ -812,35 +812,35 @@
           <a:p>
             <a:pPr lvl="0"/>
             <a:r>
-              <a:rPr lang="en-US" smtClean="0"/>
+              <a:rPr lang="en-US"/>
               <a:t>Click to edit Master text styles</a:t>
             </a:r>
           </a:p>
           <a:p>
             <a:pPr lvl="1"/>
             <a:r>
-              <a:rPr lang="en-US" smtClean="0"/>
+              <a:rPr lang="en-US"/>
               <a:t>Second level</a:t>
             </a:r>
           </a:p>
           <a:p>
             <a:pPr lvl="2"/>
             <a:r>
-              <a:rPr lang="en-US" smtClean="0"/>
+              <a:rPr lang="en-US"/>
               <a:t>Third level</a:t>
             </a:r>
           </a:p>
           <a:p>
             <a:pPr lvl="3"/>
             <a:r>
-              <a:rPr lang="en-US" smtClean="0"/>
+              <a:rPr lang="en-US"/>
               <a:t>Fourth level</a:t>
             </a:r>
           </a:p>
           <a:p>
             <a:pPr lvl="4"/>
             <a:r>
-              <a:rPr lang="en-US" smtClean="0"/>
+              <a:rPr lang="en-US"/>
               <a:t>Fifth level</a:t>
             </a:r>
             <a:endParaRPr lang="en-US" dirty="0"/>
@@ -864,7 +864,7 @@
           <a:p>
             <a:fld id="{4CD73815-2707-4475-8F1A-B873CB631BB4}" type="datetimeFigureOut">
               <a:rPr lang="en-US" dirty="0"/>
-              <a:t>7/9/2016</a:t>
+              <a:t>7/11/2016</a:t>
             </a:fld>
             <a:endParaRPr lang="en-US" dirty="0"/>
           </a:p>
@@ -906,7 +906,7 @@
           <a:p>
             <a:fld id="{4FAB73BC-B049-4115-A692-8D63A059BFB8}" type="slidenum">
               <a:rPr lang="en-US" dirty="0"/>
-              <a:t>‹Nr.›</a:t>
+              <a:t>‹#›</a:t>
             </a:fld>
             <a:endParaRPr lang="en-US" dirty="0"/>
           </a:p>
@@ -958,7 +958,7 @@
           <a:lstStyle/>
           <a:p>
             <a:r>
-              <a:rPr lang="en-US" smtClean="0"/>
+              <a:rPr lang="en-US"/>
               <a:t>Click to edit Master title style</a:t>
             </a:r>
             <a:endParaRPr lang="en-US" dirty="0"/>
@@ -987,35 +987,35 @@
           <a:p>
             <a:pPr lvl="0"/>
             <a:r>
-              <a:rPr lang="en-US" smtClean="0"/>
+              <a:rPr lang="en-US"/>
               <a:t>Click to edit Master text styles</a:t>
             </a:r>
           </a:p>
           <a:p>
             <a:pPr lvl="1"/>
             <a:r>
-              <a:rPr lang="en-US" smtClean="0"/>
+              <a:rPr lang="en-US"/>
               <a:t>Second level</a:t>
             </a:r>
           </a:p>
           <a:p>
             <a:pPr lvl="2"/>
             <a:r>
-              <a:rPr lang="en-US" smtClean="0"/>
+              <a:rPr lang="en-US"/>
               <a:t>Third level</a:t>
             </a:r>
           </a:p>
           <a:p>
             <a:pPr lvl="3"/>
             <a:r>
-              <a:rPr lang="en-US" smtClean="0"/>
+              <a:rPr lang="en-US"/>
               <a:t>Fourth level</a:t>
             </a:r>
           </a:p>
           <a:p>
             <a:pPr lvl="4"/>
             <a:r>
-              <a:rPr lang="en-US" smtClean="0"/>
+              <a:rPr lang="en-US"/>
               <a:t>Fifth level</a:t>
             </a:r>
             <a:endParaRPr lang="en-US" dirty="0"/>
@@ -1039,7 +1039,7 @@
           <a:p>
             <a:fld id="{2A4AFB99-0EAB-4182-AFF8-E214C82A68F6}" type="datetimeFigureOut">
               <a:rPr lang="en-US" dirty="0"/>
-              <a:t>7/9/2016</a:t>
+              <a:t>7/11/2016</a:t>
             </a:fld>
             <a:endParaRPr lang="en-US" dirty="0"/>
           </a:p>
@@ -1081,7 +1081,7 @@
           <a:p>
             <a:fld id="{4FAB73BC-B049-4115-A692-8D63A059BFB8}" type="slidenum">
               <a:rPr lang="en-US" dirty="0"/>
-              <a:t>‹Nr.›</a:t>
+              <a:t>‹#›</a:t>
             </a:fld>
             <a:endParaRPr lang="en-US" dirty="0"/>
           </a:p>
@@ -1163,7 +1163,7 @@
           <a:lstStyle/>
           <a:p>
             <a:r>
-              <a:rPr lang="en-US" smtClean="0"/>
+              <a:rPr lang="en-US"/>
               <a:t>Click to edit Master title style</a:t>
             </a:r>
             <a:endParaRPr lang="en-US" dirty="0"/>
@@ -1187,35 +1187,35 @@
           <a:p>
             <a:pPr lvl="0"/>
             <a:r>
-              <a:rPr lang="en-US" smtClean="0"/>
+              <a:rPr lang="en-US"/>
               <a:t>Click to edit Master text styles</a:t>
             </a:r>
           </a:p>
           <a:p>
             <a:pPr lvl="1"/>
             <a:r>
-              <a:rPr lang="en-US" smtClean="0"/>
+              <a:rPr lang="en-US"/>
               <a:t>Second level</a:t>
             </a:r>
           </a:p>
           <a:p>
             <a:pPr lvl="2"/>
             <a:r>
-              <a:rPr lang="en-US" smtClean="0"/>
+              <a:rPr lang="en-US"/>
               <a:t>Third level</a:t>
             </a:r>
           </a:p>
           <a:p>
             <a:pPr lvl="3"/>
             <a:r>
-              <a:rPr lang="en-US" smtClean="0"/>
+              <a:rPr lang="en-US"/>
               <a:t>Fourth level</a:t>
             </a:r>
           </a:p>
           <a:p>
             <a:pPr lvl="4"/>
             <a:r>
-              <a:rPr lang="en-US" smtClean="0"/>
+              <a:rPr lang="en-US"/>
               <a:t>Fifth level</a:t>
             </a:r>
             <a:endParaRPr lang="en-US" dirty="0"/>
@@ -1239,7 +1239,7 @@
           <a:p>
             <a:fld id="{A5D3794B-289A-4A80-97D7-111025398D45}" type="datetimeFigureOut">
               <a:rPr lang="en-US" dirty="0"/>
-              <a:t>7/9/2016</a:t>
+              <a:t>7/11/2016</a:t>
             </a:fld>
             <a:endParaRPr lang="en-US" dirty="0"/>
           </a:p>
@@ -1281,7 +1281,7 @@
           <a:p>
             <a:fld id="{4FAB73BC-B049-4115-A692-8D63A059BFB8}" type="slidenum">
               <a:rPr lang="en-US" dirty="0"/>
-              <a:t>‹Nr.›</a:t>
+              <a:t>‹#›</a:t>
             </a:fld>
             <a:endParaRPr lang="en-US" dirty="0"/>
           </a:p>
@@ -1339,7 +1339,7 @@
           </a:lstStyle>
           <a:p>
             <a:r>
-              <a:rPr lang="en-US" smtClean="0"/>
+              <a:rPr lang="en-US"/>
               <a:t>Click to edit Master title style</a:t>
             </a:r>
             <a:endParaRPr lang="en-US" dirty="0"/>
@@ -1468,7 +1468,7 @@
           <a:p>
             <a:pPr lvl="0"/>
             <a:r>
-              <a:rPr lang="en-US" smtClean="0"/>
+              <a:rPr lang="en-US"/>
               <a:t>Click to edit Master text styles</a:t>
             </a:r>
           </a:p>
@@ -1491,7 +1491,7 @@
           <a:p>
             <a:fld id="{5A61015F-7CC6-4D0A-9D87-873EA4C304CC}" type="datetimeFigureOut">
               <a:rPr lang="en-US" dirty="0"/>
-              <a:t>7/9/2016</a:t>
+              <a:t>7/11/2016</a:t>
             </a:fld>
             <a:endParaRPr lang="en-US" dirty="0"/>
           </a:p>
@@ -1533,7 +1533,7 @@
           <a:p>
             <a:fld id="{4FAB73BC-B049-4115-A692-8D63A059BFB8}" type="slidenum">
               <a:rPr lang="en-US" dirty="0"/>
-              <a:t>‹Nr.›</a:t>
+              <a:t>‹#›</a:t>
             </a:fld>
             <a:endParaRPr lang="en-US" dirty="0"/>
           </a:p>
@@ -1695,7 +1695,7 @@
           <a:lstStyle/>
           <a:p>
             <a:r>
-              <a:rPr lang="en-US" smtClean="0"/>
+              <a:rPr lang="en-US"/>
               <a:t>Click to edit Master title style</a:t>
             </a:r>
             <a:endParaRPr lang="en-US" dirty="0"/>
@@ -1724,35 +1724,35 @@
           <a:p>
             <a:pPr lvl="0"/>
             <a:r>
-              <a:rPr lang="en-US" smtClean="0"/>
+              <a:rPr lang="en-US"/>
               <a:t>Click to edit Master text styles</a:t>
             </a:r>
           </a:p>
           <a:p>
             <a:pPr lvl="1"/>
             <a:r>
-              <a:rPr lang="en-US" smtClean="0"/>
+              <a:rPr lang="en-US"/>
               <a:t>Second level</a:t>
             </a:r>
           </a:p>
           <a:p>
             <a:pPr lvl="2"/>
             <a:r>
-              <a:rPr lang="en-US" smtClean="0"/>
+              <a:rPr lang="en-US"/>
               <a:t>Third level</a:t>
             </a:r>
           </a:p>
           <a:p>
             <a:pPr lvl="3"/>
             <a:r>
-              <a:rPr lang="en-US" smtClean="0"/>
+              <a:rPr lang="en-US"/>
               <a:t>Fourth level</a:t>
             </a:r>
           </a:p>
           <a:p>
             <a:pPr lvl="4"/>
             <a:r>
-              <a:rPr lang="en-US" smtClean="0"/>
+              <a:rPr lang="en-US"/>
               <a:t>Fifth level</a:t>
             </a:r>
             <a:endParaRPr lang="en-US" dirty="0"/>
@@ -1781,35 +1781,35 @@
           <a:p>
             <a:pPr lvl="0"/>
             <a:r>
-              <a:rPr lang="en-US" smtClean="0"/>
+              <a:rPr lang="en-US"/>
               <a:t>Click to edit Master text styles</a:t>
             </a:r>
           </a:p>
           <a:p>
             <a:pPr lvl="1"/>
             <a:r>
-              <a:rPr lang="en-US" smtClean="0"/>
+              <a:rPr lang="en-US"/>
               <a:t>Second level</a:t>
             </a:r>
           </a:p>
           <a:p>
             <a:pPr lvl="2"/>
             <a:r>
-              <a:rPr lang="en-US" smtClean="0"/>
+              <a:rPr lang="en-US"/>
               <a:t>Third level</a:t>
             </a:r>
           </a:p>
           <a:p>
             <a:pPr lvl="3"/>
             <a:r>
-              <a:rPr lang="en-US" smtClean="0"/>
+              <a:rPr lang="en-US"/>
               <a:t>Fourth level</a:t>
             </a:r>
           </a:p>
           <a:p>
             <a:pPr lvl="4"/>
             <a:r>
-              <a:rPr lang="en-US" smtClean="0"/>
+              <a:rPr lang="en-US"/>
               <a:t>Fifth level</a:t>
             </a:r>
             <a:endParaRPr lang="en-US" dirty="0"/>
@@ -1833,7 +1833,7 @@
           <a:p>
             <a:fld id="{93C6A301-0538-44EC-B09D-202E1042A48B}" type="datetimeFigureOut">
               <a:rPr lang="en-US" dirty="0"/>
-              <a:t>7/9/2016</a:t>
+              <a:t>7/11/2016</a:t>
             </a:fld>
             <a:endParaRPr lang="en-US" dirty="0"/>
           </a:p>
@@ -1875,7 +1875,7 @@
           <a:p>
             <a:fld id="{4FAB73BC-B049-4115-A692-8D63A059BFB8}" type="slidenum">
               <a:rPr lang="en-US" dirty="0"/>
-              <a:t>‹Nr.›</a:t>
+              <a:t>‹#›</a:t>
             </a:fld>
             <a:endParaRPr lang="en-US" dirty="0"/>
           </a:p>
@@ -1922,7 +1922,7 @@
           <a:lstStyle/>
           <a:p>
             <a:r>
-              <a:rPr lang="en-US" smtClean="0"/>
+              <a:rPr lang="en-US"/>
               <a:t>Click to edit Master title style</a:t>
             </a:r>
             <a:endParaRPr lang="en-US" dirty="0"/>
@@ -2003,7 +2003,7 @@
           <a:p>
             <a:pPr lvl="0"/>
             <a:r>
-              <a:rPr lang="en-US" smtClean="0"/>
+              <a:rPr lang="en-US"/>
               <a:t>Click to edit Master text styles</a:t>
             </a:r>
           </a:p>
@@ -2031,35 +2031,35 @@
           <a:p>
             <a:pPr lvl="0"/>
             <a:r>
-              <a:rPr lang="en-US" smtClean="0"/>
+              <a:rPr lang="en-US"/>
               <a:t>Click to edit Master text styles</a:t>
             </a:r>
           </a:p>
           <a:p>
             <a:pPr lvl="1"/>
             <a:r>
-              <a:rPr lang="en-US" smtClean="0"/>
+              <a:rPr lang="en-US"/>
               <a:t>Second level</a:t>
             </a:r>
           </a:p>
           <a:p>
             <a:pPr lvl="2"/>
             <a:r>
-              <a:rPr lang="en-US" smtClean="0"/>
+              <a:rPr lang="en-US"/>
               <a:t>Third level</a:t>
             </a:r>
           </a:p>
           <a:p>
             <a:pPr lvl="3"/>
             <a:r>
-              <a:rPr lang="en-US" smtClean="0"/>
+              <a:rPr lang="en-US"/>
               <a:t>Fourth level</a:t>
             </a:r>
           </a:p>
           <a:p>
             <a:pPr lvl="4"/>
             <a:r>
-              <a:rPr lang="en-US" smtClean="0"/>
+              <a:rPr lang="en-US"/>
               <a:t>Fifth level</a:t>
             </a:r>
             <a:endParaRPr lang="en-US" dirty="0"/>
@@ -2150,7 +2150,7 @@
               <a:buNone/>
             </a:pPr>
             <a:r>
-              <a:rPr lang="en-US" smtClean="0"/>
+              <a:rPr lang="en-US"/>
               <a:t>Click to edit Master text styles</a:t>
             </a:r>
           </a:p>
@@ -2178,35 +2178,35 @@
           <a:p>
             <a:pPr lvl="0"/>
             <a:r>
-              <a:rPr lang="en-US" smtClean="0"/>
+              <a:rPr lang="en-US"/>
               <a:t>Click to edit Master text styles</a:t>
             </a:r>
           </a:p>
           <a:p>
             <a:pPr lvl="1"/>
             <a:r>
-              <a:rPr lang="en-US" smtClean="0"/>
+              <a:rPr lang="en-US"/>
               <a:t>Second level</a:t>
             </a:r>
           </a:p>
           <a:p>
             <a:pPr lvl="2"/>
             <a:r>
-              <a:rPr lang="en-US" smtClean="0"/>
+              <a:rPr lang="en-US"/>
               <a:t>Third level</a:t>
             </a:r>
           </a:p>
           <a:p>
             <a:pPr lvl="3"/>
             <a:r>
-              <a:rPr lang="en-US" smtClean="0"/>
+              <a:rPr lang="en-US"/>
               <a:t>Fourth level</a:t>
             </a:r>
           </a:p>
           <a:p>
             <a:pPr lvl="4"/>
             <a:r>
-              <a:rPr lang="en-US" smtClean="0"/>
+              <a:rPr lang="en-US"/>
               <a:t>Fifth level</a:t>
             </a:r>
             <a:endParaRPr lang="en-US" dirty="0"/>
@@ -2230,7 +2230,7 @@
           <a:p>
             <a:fld id="{D789574A-8875-45EF-8EA2-3CAA0F7ABC4C}" type="datetimeFigureOut">
               <a:rPr lang="en-US" dirty="0"/>
-              <a:t>7/9/2016</a:t>
+              <a:t>7/11/2016</a:t>
             </a:fld>
             <a:endParaRPr lang="en-US" dirty="0"/>
           </a:p>
@@ -2272,7 +2272,7 @@
           <a:p>
             <a:fld id="{4FAB73BC-B049-4115-A692-8D63A059BFB8}" type="slidenum">
               <a:rPr lang="en-US" dirty="0"/>
-              <a:t>‹Nr.›</a:t>
+              <a:t>‹#›</a:t>
             </a:fld>
             <a:endParaRPr lang="en-US" dirty="0"/>
           </a:p>
@@ -2319,7 +2319,7 @@
           <a:lstStyle/>
           <a:p>
             <a:r>
-              <a:rPr lang="en-US" smtClean="0"/>
+              <a:rPr lang="en-US"/>
               <a:t>Click to edit Master title style</a:t>
             </a:r>
             <a:endParaRPr lang="en-US" dirty="0"/>
@@ -2343,7 +2343,7 @@
           <a:p>
             <a:fld id="{67EF4D4C-5367-4C26-9E2B-D8088D7FCA81}" type="datetimeFigureOut">
               <a:rPr lang="en-US" dirty="0"/>
-              <a:t>7/9/2016</a:t>
+              <a:t>7/11/2016</a:t>
             </a:fld>
             <a:endParaRPr lang="en-US" dirty="0"/>
           </a:p>
@@ -2385,7 +2385,7 @@
           <a:p>
             <a:fld id="{4FAB73BC-B049-4115-A692-8D63A059BFB8}" type="slidenum">
               <a:rPr lang="en-US" dirty="0"/>
-              <a:t>‹Nr.›</a:t>
+              <a:t>‹#›</a:t>
             </a:fld>
             <a:endParaRPr lang="en-US" dirty="0"/>
           </a:p>
@@ -2433,7 +2433,7 @@
           <a:p>
             <a:fld id="{56E91E96-98B0-4413-9547-46F3504108EF}" type="datetimeFigureOut">
               <a:rPr lang="en-US" dirty="0"/>
-              <a:t>7/9/2016</a:t>
+              <a:t>7/11/2016</a:t>
             </a:fld>
             <a:endParaRPr lang="en-US" dirty="0"/>
           </a:p>
@@ -2475,7 +2475,7 @@
           <a:p>
             <a:fld id="{4FAB73BC-B049-4115-A692-8D63A059BFB8}" type="slidenum">
               <a:rPr lang="en-US" dirty="0"/>
-              <a:t>‹Nr.›</a:t>
+              <a:t>‹#›</a:t>
             </a:fld>
             <a:endParaRPr lang="en-US" dirty="0"/>
           </a:p>
@@ -2536,7 +2536,7 @@
           </a:lstStyle>
           <a:p>
             <a:r>
-              <a:rPr lang="en-US" smtClean="0"/>
+              <a:rPr lang="en-US"/>
               <a:t>Click to edit Master title style</a:t>
             </a:r>
             <a:endParaRPr lang="en-US" dirty="0"/>
@@ -2593,35 +2593,35 @@
           <a:p>
             <a:pPr lvl="0"/>
             <a:r>
-              <a:rPr lang="en-US" smtClean="0"/>
+              <a:rPr lang="en-US"/>
               <a:t>Click to edit Master text styles</a:t>
             </a:r>
           </a:p>
           <a:p>
             <a:pPr lvl="1"/>
             <a:r>
-              <a:rPr lang="en-US" smtClean="0"/>
+              <a:rPr lang="en-US"/>
               <a:t>Second level</a:t>
             </a:r>
           </a:p>
           <a:p>
             <a:pPr lvl="2"/>
             <a:r>
-              <a:rPr lang="en-US" smtClean="0"/>
+              <a:rPr lang="en-US"/>
               <a:t>Third level</a:t>
             </a:r>
           </a:p>
           <a:p>
             <a:pPr lvl="3"/>
             <a:r>
-              <a:rPr lang="en-US" smtClean="0"/>
+              <a:rPr lang="en-US"/>
               <a:t>Fourth level</a:t>
             </a:r>
           </a:p>
           <a:p>
             <a:pPr lvl="4"/>
             <a:r>
-              <a:rPr lang="en-US" smtClean="0"/>
+              <a:rPr lang="en-US"/>
               <a:t>Fifth level</a:t>
             </a:r>
             <a:endParaRPr lang="en-US" dirty="0"/>
@@ -2695,7 +2695,7 @@
           <a:p>
             <a:pPr lvl="0"/>
             <a:r>
-              <a:rPr lang="en-US" smtClean="0"/>
+              <a:rPr lang="en-US"/>
               <a:t>Click to edit Master text styles</a:t>
             </a:r>
           </a:p>
@@ -2718,7 +2718,7 @@
           <a:p>
             <a:fld id="{05C68B11-C5A8-448C-8CE9-B1A273C79CFC}" type="datetimeFigureOut">
               <a:rPr lang="en-US" dirty="0"/>
-              <a:t>7/9/2016</a:t>
+              <a:t>7/11/2016</a:t>
             </a:fld>
             <a:endParaRPr lang="en-US" dirty="0"/>
           </a:p>
@@ -2760,7 +2760,7 @@
           <a:p>
             <a:fld id="{4FAB73BC-B049-4115-A692-8D63A059BFB8}" type="slidenum">
               <a:rPr lang="en-US" dirty="0"/>
-              <a:t>‹Nr.›</a:t>
+              <a:t>‹#›</a:t>
             </a:fld>
             <a:endParaRPr lang="en-US" dirty="0"/>
           </a:p>
@@ -2818,7 +2818,7 @@
           </a:lstStyle>
           <a:p>
             <a:r>
-              <a:rPr lang="en-US" smtClean="0"/>
+              <a:rPr lang="en-US"/>
               <a:t>Click to edit Master title style</a:t>
             </a:r>
             <a:endParaRPr lang="en-US" dirty="0"/>
@@ -2889,7 +2889,7 @@
           </a:lstStyle>
           <a:p>
             <a:r>
-              <a:rPr lang="en-US" smtClean="0"/>
+              <a:rPr lang="en-US"/>
               <a:t>Click icon to add picture</a:t>
             </a:r>
             <a:endParaRPr lang="en-US" dirty="0"/>
@@ -2970,7 +2970,7 @@
           <a:p>
             <a:pPr lvl="0"/>
             <a:r>
-              <a:rPr lang="en-US" smtClean="0"/>
+              <a:rPr lang="en-US"/>
               <a:t>Click to edit Master text styles</a:t>
             </a:r>
           </a:p>
@@ -2993,7 +2993,7 @@
           <a:p>
             <a:fld id="{C7616CA0-919D-4A49-9C8A-62FDFB3A5183}" type="datetimeFigureOut">
               <a:rPr lang="en-US" dirty="0"/>
-              <a:t>7/9/2016</a:t>
+              <a:t>7/11/2016</a:t>
             </a:fld>
             <a:endParaRPr lang="en-US" dirty="0"/>
           </a:p>
@@ -3035,7 +3035,7 @@
           <a:p>
             <a:fld id="{867E5644-1E61-4311-A31E-84CB9C7AA8A9}" type="slidenum">
               <a:rPr lang="en-US" dirty="0"/>
-              <a:t>‹Nr.›</a:t>
+              <a:t>‹#›</a:t>
             </a:fld>
             <a:endParaRPr lang="en-US" dirty="0"/>
           </a:p>
@@ -3132,7 +3132,7 @@
           <a:lstStyle/>
           <a:p>
             <a:r>
-              <a:rPr lang="en-US" smtClean="0"/>
+              <a:rPr lang="en-US"/>
               <a:t>Click to edit Master title style</a:t>
             </a:r>
             <a:endParaRPr lang="en-US" dirty="0"/>
@@ -3166,35 +3166,35 @@
           <a:p>
             <a:pPr lvl="0"/>
             <a:r>
-              <a:rPr lang="en-US" smtClean="0"/>
+              <a:rPr lang="en-US"/>
               <a:t>Click to edit Master text styles</a:t>
             </a:r>
           </a:p>
           <a:p>
             <a:pPr lvl="1"/>
             <a:r>
-              <a:rPr lang="en-US" smtClean="0"/>
+              <a:rPr lang="en-US"/>
               <a:t>Second level</a:t>
             </a:r>
           </a:p>
           <a:p>
             <a:pPr lvl="2"/>
             <a:r>
-              <a:rPr lang="en-US" smtClean="0"/>
+              <a:rPr lang="en-US"/>
               <a:t>Third level</a:t>
             </a:r>
           </a:p>
           <a:p>
             <a:pPr lvl="3"/>
             <a:r>
-              <a:rPr lang="en-US" smtClean="0"/>
+              <a:rPr lang="en-US"/>
               <a:t>Fourth level</a:t>
             </a:r>
           </a:p>
           <a:p>
             <a:pPr lvl="4"/>
             <a:r>
-              <a:rPr lang="en-US" smtClean="0"/>
+              <a:rPr lang="en-US"/>
               <a:t>Fifth level</a:t>
             </a:r>
             <a:endParaRPr lang="en-US" dirty="0"/>
@@ -3239,7 +3239,7 @@
             <a:fld id="{90298CD5-6C1E-4009-B41F-6DF62E31D3BE}" type="datetimeFigureOut">
               <a:rPr lang="en-US" dirty="0"/>
               <a:pPr/>
-              <a:t>7/9/2016</a:t>
+              <a:t>7/11/2016</a:t>
             </a:fld>
             <a:endParaRPr lang="en-US" dirty="0"/>
           </a:p>
@@ -3322,7 +3322,7 @@
             <a:fld id="{4FAB73BC-B049-4115-A692-8D63A059BFB8}" type="slidenum">
               <a:rPr lang="en-US" dirty="0"/>
               <a:pPr/>
-              <a:t>‹Nr.›</a:t>
+              <a:t>‹#›</a:t>
             </a:fld>
             <a:endParaRPr lang="en-US" dirty="0"/>
           </a:p>
@@ -3753,7 +3753,7 @@
           <a:lstStyle/>
           <a:p>
             <a:r>
-              <a:rPr lang="en-US" dirty="0" smtClean="0"/>
+              <a:rPr lang="en-US" dirty="0"/>
               <a:t>Polygon Workshop</a:t>
             </a:r>
             <a:endParaRPr lang="de-DE" dirty="0"/>
@@ -3776,7 +3776,7 @@
           <a:lstStyle/>
           <a:p>
             <a:r>
-              <a:rPr lang="en-US" dirty="0" smtClean="0"/>
+              <a:rPr lang="en-US" dirty="0"/>
               <a:t>Virtual Workshop</a:t>
             </a:r>
             <a:endParaRPr lang="de-DE" dirty="0"/>
@@ -3831,13 +3831,6 @@
   <p:clrMapOvr>
     <a:masterClrMapping/>
   </p:clrMapOvr>
-  <p:timing>
-    <p:tnLst>
-      <p:par>
-        <p:cTn id="1" dur="indefinite" restart="never" nodeType="tmRoot"/>
-      </p:par>
-    </p:tnLst>
-  </p:timing>
 </p:sld>
 </file>
 
@@ -3874,10 +3867,9 @@
           <a:lstStyle/>
           <a:p>
             <a:r>
-              <a:rPr lang="de-DE" dirty="0" smtClean="0"/>
+              <a:rPr lang="de-DE" dirty="0"/>
               <a:t>Prototyp</a:t>
             </a:r>
-            <a:endParaRPr lang="de-DE" dirty="0"/>
           </a:p>
         </p:txBody>
       </p:sp>
@@ -3956,10 +3948,10 @@
           <a:lstStyle/>
           <a:p>
             <a:r>
-              <a:rPr lang="en-US" dirty="0" err="1" smtClean="0"/>
+              <a:rPr lang="en-US" dirty="0" err="1"/>
               <a:t>Gliederung</a:t>
             </a:r>
-            <a:endParaRPr lang="en-US" dirty="0" smtClean="0"/>
+            <a:endParaRPr lang="en-US" dirty="0"/>
           </a:p>
         </p:txBody>
       </p:sp>
@@ -3987,65 +3979,65 @@
           <a:p>
             <a:pPr lvl="1"/>
             <a:r>
-              <a:rPr lang="en-US" sz="2400" dirty="0" err="1" smtClean="0"/>
+              <a:rPr lang="en-US" sz="2400" dirty="0"/>
+              <a:t>Unser Team</a:t>
+            </a:r>
+          </a:p>
+          <a:p>
+            <a:pPr lvl="1"/>
+            <a:r>
+              <a:rPr lang="en-US" sz="2400" dirty="0" err="1"/>
               <a:t>Virtuelle</a:t>
             </a:r>
             <a:r>
-              <a:rPr lang="en-US" sz="2400" dirty="0" smtClean="0"/>
+              <a:rPr lang="en-US" sz="2400" dirty="0"/>
               <a:t> </a:t>
             </a:r>
             <a:r>
-              <a:rPr lang="en-US" sz="2400" dirty="0" err="1" smtClean="0"/>
+              <a:rPr lang="en-US" sz="2400" dirty="0" err="1"/>
               <a:t>Trainingswelten</a:t>
             </a:r>
-            <a:endParaRPr lang="en-US" sz="2400" dirty="0" smtClean="0"/>
+            <a:endParaRPr lang="en-US" sz="2400" dirty="0"/>
           </a:p>
           <a:p>
             <a:pPr lvl="1"/>
             <a:r>
-              <a:rPr lang="en-US" sz="2400" dirty="0" smtClean="0"/>
-              <a:t>Unser Team</a:t>
-            </a:r>
+              <a:rPr lang="en-US" sz="2400" dirty="0" err="1"/>
+              <a:t>Idee</a:t>
+            </a:r>
+            <a:endParaRPr lang="en-US" sz="2400" dirty="0"/>
           </a:p>
           <a:p>
             <a:pPr lvl="1"/>
             <a:r>
-              <a:rPr lang="en-US" sz="2400" dirty="0" err="1" smtClean="0"/>
-              <a:t>Idee</a:t>
+              <a:rPr lang="en-US" sz="2400" dirty="0" err="1"/>
+              <a:t>Zeitplan</a:t>
             </a:r>
             <a:endParaRPr lang="en-US" sz="2400" dirty="0"/>
           </a:p>
           <a:p>
             <a:pPr lvl="1"/>
             <a:r>
-              <a:rPr lang="en-US" sz="2400" dirty="0" err="1" smtClean="0"/>
-              <a:t>Zeitplan</a:t>
+              <a:rPr lang="en-US" sz="2400" dirty="0" err="1"/>
+              <a:t>Kosten</a:t>
             </a:r>
             <a:endParaRPr lang="en-US" sz="2400" dirty="0"/>
           </a:p>
           <a:p>
             <a:pPr lvl="1"/>
             <a:r>
-              <a:rPr lang="en-US" sz="2400" dirty="0" err="1" smtClean="0"/>
-              <a:t>Kosten</a:t>
-            </a:r>
-            <a:endParaRPr lang="en-US" sz="2400" dirty="0" smtClean="0"/>
+              <a:rPr lang="en-US" sz="2400" dirty="0" err="1"/>
+              <a:t>Ausblick</a:t>
+            </a:r>
+            <a:endParaRPr lang="en-US" sz="2400" dirty="0"/>
           </a:p>
           <a:p>
             <a:pPr lvl="1"/>
             <a:r>
-              <a:rPr lang="en-US" sz="2400" dirty="0" err="1" smtClean="0"/>
-              <a:t>Ausblick</a:t>
+              <a:rPr lang="en-US" sz="2400" dirty="0" err="1"/>
+              <a:t>Prototyp</a:t>
             </a:r>
             <a:endParaRPr lang="en-US" sz="2400" dirty="0"/>
-          </a:p>
-          <a:p>
-            <a:pPr lvl="1"/>
-            <a:r>
-              <a:rPr lang="en-US" sz="2400" dirty="0" err="1" smtClean="0"/>
-              <a:t>Prototyp</a:t>
-            </a:r>
-            <a:endParaRPr lang="en-US" sz="2400" dirty="0" smtClean="0"/>
           </a:p>
         </p:txBody>
       </p:sp>
@@ -4059,13 +4051,6 @@
   <p:clrMapOvr>
     <a:masterClrMapping/>
   </p:clrMapOvr>
-  <p:timing>
-    <p:tnLst>
-      <p:par>
-        <p:cTn id="1" dur="indefinite" restart="never" nodeType="tmRoot"/>
-      </p:par>
-    </p:tnLst>
-  </p:timing>
 </p:sld>
 </file>
 
@@ -4102,10 +4087,9 @@
           <a:lstStyle/>
           <a:p>
             <a:r>
-              <a:rPr lang="de-DE" dirty="0" smtClean="0"/>
-              <a:t>Virtuelle Trainingswelten</a:t>
-            </a:r>
-            <a:endParaRPr lang="de-DE" dirty="0"/>
+              <a:rPr lang="de-DE" dirty="0"/>
+              <a:t>Unser Team</a:t>
+            </a:r>
           </a:p>
         </p:txBody>
       </p:sp>
@@ -4126,115 +4110,62 @@
           <a:p>
             <a:pPr lvl="1"/>
             <a:r>
-              <a:rPr lang="en-US" sz="2400" dirty="0" smtClean="0"/>
-              <a:t>Innovative </a:t>
-            </a:r>
-            <a:r>
-              <a:rPr lang="en-US" sz="2400" dirty="0" err="1" smtClean="0"/>
-              <a:t>Methode</a:t>
-            </a:r>
-            <a:r>
-              <a:rPr lang="en-US" sz="2400" dirty="0" smtClean="0"/>
-              <a:t> </a:t>
-            </a:r>
-            <a:r>
-              <a:rPr lang="en-US" sz="2400" dirty="0" err="1" smtClean="0"/>
-              <a:t>zum</a:t>
-            </a:r>
-            <a:r>
-              <a:rPr lang="en-US" sz="2400" dirty="0" smtClean="0"/>
-              <a:t> </a:t>
-            </a:r>
-            <a:r>
-              <a:rPr lang="en-US" sz="2400" dirty="0" err="1" smtClean="0"/>
-              <a:t>Lernen</a:t>
-            </a:r>
-            <a:endParaRPr lang="en-US" sz="2400" dirty="0" smtClean="0"/>
+              <a:rPr lang="en-US" sz="2400" dirty="0" err="1"/>
+              <a:t>Direktor</a:t>
+            </a:r>
+            <a:endParaRPr lang="en-US" sz="2400" dirty="0"/>
           </a:p>
           <a:p>
             <a:pPr lvl="1"/>
             <a:r>
-              <a:rPr lang="en-US" sz="2400" dirty="0" err="1" smtClean="0"/>
-              <a:t>Effektiver</a:t>
-            </a:r>
-            <a:r>
-              <a:rPr lang="en-US" sz="2400" dirty="0" smtClean="0"/>
-              <a:t> </a:t>
-            </a:r>
-            <a:r>
-              <a:rPr lang="en-US" sz="2400" dirty="0" err="1" smtClean="0"/>
-              <a:t>als</a:t>
-            </a:r>
-            <a:r>
-              <a:rPr lang="en-US" sz="2400" dirty="0" smtClean="0"/>
-              <a:t> </a:t>
-            </a:r>
-            <a:r>
-              <a:rPr lang="en-US" sz="2400" dirty="0" err="1" smtClean="0"/>
-              <a:t>aufwendiges</a:t>
-            </a:r>
-            <a:r>
-              <a:rPr lang="en-US" sz="2400" dirty="0" smtClean="0"/>
-              <a:t> Coaching</a:t>
+              <a:rPr lang="en-US" sz="2400" dirty="0"/>
+              <a:t>Manager</a:t>
             </a:r>
           </a:p>
           <a:p>
             <a:pPr lvl="1"/>
             <a:r>
-              <a:rPr lang="en-US" sz="2400" dirty="0" err="1" smtClean="0"/>
-              <a:t>Kombination</a:t>
-            </a:r>
-            <a:r>
-              <a:rPr lang="en-US" sz="2400" dirty="0" smtClean="0"/>
-              <a:t> von </a:t>
-            </a:r>
-            <a:r>
-              <a:rPr lang="en-US" sz="2400" dirty="0" err="1" smtClean="0"/>
-              <a:t>spielerischen</a:t>
-            </a:r>
-            <a:r>
-              <a:rPr lang="en-US" sz="2400" dirty="0" smtClean="0"/>
-              <a:t> </a:t>
-            </a:r>
-            <a:r>
-              <a:rPr lang="en-US" sz="2400" dirty="0" err="1" smtClean="0"/>
-              <a:t>Aspekten</a:t>
-            </a:r>
-            <a:r>
-              <a:rPr lang="en-US" sz="2400" dirty="0" smtClean="0"/>
-              <a:t> </a:t>
-            </a:r>
-            <a:r>
-              <a:rPr lang="en-US" sz="2400" dirty="0" err="1" smtClean="0"/>
-              <a:t>sowie</a:t>
-            </a:r>
-            <a:r>
-              <a:rPr lang="en-US" sz="2400" dirty="0" smtClean="0"/>
-              <a:t> </a:t>
-            </a:r>
-            <a:r>
-              <a:rPr lang="en-US" sz="2400" dirty="0" err="1" smtClean="0"/>
-              <a:t>wirtschaftlicher</a:t>
-            </a:r>
-            <a:r>
-              <a:rPr lang="en-US" sz="2400" dirty="0" smtClean="0"/>
-              <a:t> </a:t>
-            </a:r>
-            <a:r>
-              <a:rPr lang="en-US" sz="2400" dirty="0" err="1" smtClean="0"/>
-              <a:t>Realität</a:t>
+              <a:rPr lang="en-US" sz="2400" dirty="0" err="1"/>
+              <a:t>Didaktikexperte</a:t>
             </a:r>
             <a:endParaRPr lang="en-US" sz="2400" dirty="0"/>
           </a:p>
           <a:p>
-            <a:endParaRPr lang="de-DE" dirty="0"/>
+            <a:pPr lvl="1"/>
+            <a:r>
+              <a:rPr lang="en-US" sz="2400" dirty="0" err="1"/>
+              <a:t>Hotelexperte</a:t>
+            </a:r>
+            <a:endParaRPr lang="en-US" sz="2400" dirty="0"/>
+          </a:p>
+          <a:p>
+            <a:pPr lvl="1"/>
+            <a:r>
+              <a:rPr lang="en-US" sz="2400" dirty="0"/>
+              <a:t>Designer</a:t>
+            </a:r>
+          </a:p>
+          <a:p>
+            <a:pPr lvl="1"/>
+            <a:r>
+              <a:rPr lang="en-US" sz="2400" dirty="0" err="1"/>
+              <a:t>Programmierer</a:t>
+            </a:r>
+            <a:endParaRPr lang="en-US" sz="2400" dirty="0"/>
+          </a:p>
+          <a:p>
+            <a:pPr lvl="1"/>
+            <a:r>
+              <a:rPr lang="en-US" sz="2400" dirty="0"/>
+              <a:t>Artists</a:t>
+            </a:r>
           </a:p>
         </p:txBody>
       </p:sp>
     </p:spTree>
     <p:extLst>
       <p:ext uri="{BB962C8B-B14F-4D97-AF65-F5344CB8AC3E}">
-        <p14:creationId xmlns:p14="http://schemas.microsoft.com/office/powerpoint/2010/main" val="175309283"/>
+        <p14:creationId xmlns:p14="http://schemas.microsoft.com/office/powerpoint/2010/main" val="116474424"/>
       </p:ext>
     </p:extLst>
   </p:cSld>
@@ -4277,10 +4208,9 @@
           <a:lstStyle/>
           <a:p>
             <a:r>
-              <a:rPr lang="de-DE" dirty="0" smtClean="0"/>
-              <a:t>Unser Team</a:t>
-            </a:r>
-            <a:endParaRPr lang="de-DE" dirty="0"/>
+              <a:rPr lang="de-DE" dirty="0"/>
+              <a:t>Virtuelle Trainingswelten</a:t>
+            </a:r>
           </a:p>
         </p:txBody>
       </p:sp>
@@ -4301,62 +4231,115 @@
           <a:p>
             <a:pPr lvl="1"/>
             <a:r>
-              <a:rPr lang="en-US" sz="2400" dirty="0" err="1" smtClean="0"/>
-              <a:t>Direktor</a:t>
-            </a:r>
-            <a:endParaRPr lang="en-US" sz="2400" dirty="0" smtClean="0"/>
+              <a:rPr lang="en-US" sz="2400" dirty="0"/>
+              <a:t>Innovative </a:t>
+            </a:r>
+            <a:r>
+              <a:rPr lang="en-US" sz="2400" dirty="0" err="1"/>
+              <a:t>Methode</a:t>
+            </a:r>
+            <a:r>
+              <a:rPr lang="en-US" sz="2400" dirty="0"/>
+              <a:t> </a:t>
+            </a:r>
+            <a:r>
+              <a:rPr lang="en-US" sz="2400" dirty="0" err="1"/>
+              <a:t>zum</a:t>
+            </a:r>
+            <a:r>
+              <a:rPr lang="en-US" sz="2400" dirty="0"/>
+              <a:t> </a:t>
+            </a:r>
+            <a:r>
+              <a:rPr lang="en-US" sz="2400" dirty="0" err="1"/>
+              <a:t>Lernen</a:t>
+            </a:r>
+            <a:endParaRPr lang="en-US" sz="2400" dirty="0"/>
           </a:p>
           <a:p>
             <a:pPr lvl="1"/>
             <a:r>
-              <a:rPr lang="en-US" sz="2400" dirty="0" smtClean="0"/>
-              <a:t>Manager</a:t>
+              <a:rPr lang="en-US" sz="2400" dirty="0" err="1"/>
+              <a:t>Effektiver</a:t>
+            </a:r>
+            <a:r>
+              <a:rPr lang="en-US" sz="2400" dirty="0"/>
+              <a:t> </a:t>
+            </a:r>
+            <a:r>
+              <a:rPr lang="en-US" sz="2400" dirty="0" err="1"/>
+              <a:t>als</a:t>
+            </a:r>
+            <a:r>
+              <a:rPr lang="en-US" sz="2400" dirty="0"/>
+              <a:t> </a:t>
+            </a:r>
+            <a:r>
+              <a:rPr lang="en-US" sz="2400" dirty="0" err="1"/>
+              <a:t>aufwendiges</a:t>
+            </a:r>
+            <a:r>
+              <a:rPr lang="en-US" sz="2400" dirty="0"/>
+              <a:t> Coaching</a:t>
             </a:r>
           </a:p>
           <a:p>
             <a:pPr lvl="1"/>
             <a:r>
-              <a:rPr lang="en-US" sz="2400" dirty="0" err="1" smtClean="0"/>
-              <a:t>Didaktikexperte</a:t>
-            </a:r>
-            <a:endParaRPr lang="en-US" sz="2400" dirty="0" smtClean="0"/>
-          </a:p>
-          <a:p>
-            <a:pPr lvl="1"/>
-            <a:r>
-              <a:rPr lang="en-US" sz="2400" dirty="0" err="1" smtClean="0"/>
-              <a:t>Hotelexperte</a:t>
+              <a:rPr lang="en-US" sz="2400" dirty="0" err="1"/>
+              <a:t>Kombination</a:t>
+            </a:r>
+            <a:r>
+              <a:rPr lang="en-US" sz="2400" dirty="0"/>
+              <a:t> von </a:t>
+            </a:r>
+            <a:r>
+              <a:rPr lang="en-US" sz="2400" dirty="0" err="1"/>
+              <a:t>spielerischen</a:t>
+            </a:r>
+            <a:r>
+              <a:rPr lang="en-US" sz="2400" dirty="0"/>
+              <a:t> </a:t>
+            </a:r>
+            <a:r>
+              <a:rPr lang="en-US" sz="2400" dirty="0" err="1"/>
+              <a:t>Aspekten</a:t>
+            </a:r>
+            <a:r>
+              <a:rPr lang="en-US" sz="2400" dirty="0"/>
+              <a:t> </a:t>
+            </a:r>
+            <a:r>
+              <a:rPr lang="en-US" sz="2400" dirty="0" err="1"/>
+              <a:t>sowie</a:t>
+            </a:r>
+            <a:r>
+              <a:rPr lang="en-US" sz="2400" dirty="0"/>
+              <a:t> </a:t>
+            </a:r>
+            <a:r>
+              <a:rPr lang="en-US" sz="2400" dirty="0" err="1"/>
+              <a:t>wirtschaftlicher</a:t>
+            </a:r>
+            <a:r>
+              <a:rPr lang="en-US" sz="2400" dirty="0"/>
+              <a:t> </a:t>
+            </a:r>
+            <a:r>
+              <a:rPr lang="en-US" sz="2400" dirty="0" err="1"/>
+              <a:t>Realität</a:t>
             </a:r>
             <a:endParaRPr lang="en-US" sz="2400" dirty="0"/>
           </a:p>
           <a:p>
-            <a:pPr lvl="1"/>
-            <a:r>
-              <a:rPr lang="en-US" sz="2400" dirty="0" smtClean="0"/>
-              <a:t>Designer</a:t>
-            </a:r>
-          </a:p>
-          <a:p>
-            <a:pPr lvl="1"/>
-            <a:r>
-              <a:rPr lang="en-US" sz="2400" dirty="0" err="1" smtClean="0"/>
-              <a:t>Programmierer</a:t>
-            </a:r>
-            <a:endParaRPr lang="en-US" sz="2400" dirty="0" smtClean="0"/>
-          </a:p>
-          <a:p>
-            <a:pPr lvl="1"/>
-            <a:r>
-              <a:rPr lang="en-US" sz="2400" dirty="0" smtClean="0"/>
-              <a:t>Artists</a:t>
-            </a:r>
+            <a:endParaRPr lang="de-DE" dirty="0"/>
           </a:p>
         </p:txBody>
       </p:sp>
     </p:spTree>
     <p:extLst>
       <p:ext uri="{BB962C8B-B14F-4D97-AF65-F5344CB8AC3E}">
-        <p14:creationId xmlns:p14="http://schemas.microsoft.com/office/powerpoint/2010/main" val="116474424"/>
+        <p14:creationId xmlns:p14="http://schemas.microsoft.com/office/powerpoint/2010/main" val="175309283"/>
       </p:ext>
     </p:extLst>
   </p:cSld>
@@ -4399,10 +4382,9 @@
           <a:lstStyle/>
           <a:p>
             <a:r>
-              <a:rPr lang="de-DE" dirty="0" smtClean="0"/>
+              <a:rPr lang="de-DE" dirty="0"/>
               <a:t>Die Idee</a:t>
             </a:r>
-            <a:endParaRPr lang="de-DE" dirty="0"/>
           </a:p>
         </p:txBody>
       </p:sp>
@@ -4425,85 +4407,85 @@
           <a:p>
             <a:pPr lvl="1"/>
             <a:r>
-              <a:rPr lang="en-GB" sz="2400" dirty="0" err="1" smtClean="0"/>
+              <a:rPr lang="en-GB" sz="2400" dirty="0" err="1"/>
               <a:t>Interaktive</a:t>
-            </a:r>
-            <a:r>
-              <a:rPr lang="en-GB" sz="2400" dirty="0" smtClean="0"/>
-              <a:t> </a:t>
-            </a:r>
-            <a:r>
-              <a:rPr lang="en-GB" sz="2400" dirty="0" err="1" smtClean="0"/>
-              <a:t>Lernplattform</a:t>
-            </a:r>
-            <a:r>
-              <a:rPr lang="en-GB" sz="2400" dirty="0" smtClean="0"/>
-              <a:t> </a:t>
-            </a:r>
-            <a:r>
-              <a:rPr lang="en-GB" sz="2400" dirty="0" err="1" smtClean="0"/>
-              <a:t>für</a:t>
-            </a:r>
-            <a:r>
-              <a:rPr lang="en-GB" sz="2400" dirty="0" smtClean="0"/>
-              <a:t> F&amp;B</a:t>
-            </a:r>
-          </a:p>
-          <a:p>
-            <a:pPr lvl="1"/>
-            <a:r>
-              <a:rPr lang="en-GB" sz="2400" dirty="0" smtClean="0"/>
-              <a:t>7 </a:t>
-            </a:r>
-            <a:r>
-              <a:rPr lang="en-GB" sz="2400" dirty="0" err="1" smtClean="0"/>
-              <a:t>Spiele</a:t>
-            </a:r>
-            <a:r>
-              <a:rPr lang="en-GB" sz="2400" dirty="0" smtClean="0"/>
-              <a:t> (</a:t>
-            </a:r>
-            <a:r>
-              <a:rPr lang="en-GB" sz="2400" dirty="0" err="1" smtClean="0"/>
-              <a:t>freischaltbar</a:t>
             </a:r>
             <a:r>
               <a:rPr lang="en-GB" sz="2400" dirty="0"/>
               <a:t> </a:t>
             </a:r>
             <a:r>
-              <a:rPr lang="en-GB" sz="2400" dirty="0" err="1" smtClean="0"/>
+              <a:rPr lang="en-GB" sz="2400" dirty="0" err="1"/>
+              <a:t>Lernplattform</a:t>
+            </a:r>
+            <a:r>
+              <a:rPr lang="en-GB" sz="2400" dirty="0"/>
+              <a:t> </a:t>
+            </a:r>
+            <a:r>
+              <a:rPr lang="en-GB" sz="2400" dirty="0" err="1"/>
+              <a:t>für</a:t>
+            </a:r>
+            <a:r>
+              <a:rPr lang="en-GB" sz="2400" dirty="0"/>
+              <a:t> F&amp;B</a:t>
+            </a:r>
+          </a:p>
+          <a:p>
+            <a:pPr lvl="1"/>
+            <a:r>
+              <a:rPr lang="en-GB" sz="2400" dirty="0"/>
+              <a:t>7 </a:t>
+            </a:r>
+            <a:r>
+              <a:rPr lang="en-GB" sz="2400" dirty="0" err="1"/>
+              <a:t>Spiele</a:t>
+            </a:r>
+            <a:r>
+              <a:rPr lang="en-GB" sz="2400" dirty="0"/>
+              <a:t> (</a:t>
+            </a:r>
+            <a:r>
+              <a:rPr lang="en-GB" sz="2400" dirty="0" err="1"/>
+              <a:t>freischaltbar</a:t>
+            </a:r>
+            <a:r>
+              <a:rPr lang="en-GB" sz="2400" dirty="0"/>
+              <a:t> </a:t>
+            </a:r>
+            <a:r>
+              <a:rPr lang="en-GB" sz="2400" dirty="0" err="1"/>
               <a:t>durch</a:t>
             </a:r>
             <a:r>
-              <a:rPr lang="en-GB" sz="2400" dirty="0" smtClean="0"/>
+              <a:rPr lang="en-GB" sz="2400" dirty="0"/>
               <a:t> </a:t>
             </a:r>
             <a:r>
-              <a:rPr lang="en-GB" sz="2400" dirty="0" err="1" smtClean="0"/>
+              <a:rPr lang="en-GB" sz="2400" dirty="0" err="1"/>
               <a:t>Levelaufstieg</a:t>
             </a:r>
             <a:r>
-              <a:rPr lang="en-GB" sz="2400" dirty="0" smtClean="0"/>
+              <a:rPr lang="en-GB" sz="2400" dirty="0"/>
               <a:t>)</a:t>
             </a:r>
           </a:p>
           <a:p>
             <a:pPr lvl="1"/>
             <a:r>
-              <a:rPr lang="en-GB" sz="2400" dirty="0" smtClean="0"/>
+              <a:rPr lang="en-GB" sz="2400" dirty="0"/>
               <a:t>2D </a:t>
             </a:r>
             <a:r>
-              <a:rPr lang="en-GB" sz="2400" dirty="0" err="1" smtClean="0"/>
+              <a:rPr lang="en-GB" sz="2400" dirty="0" err="1"/>
               <a:t>sowie</a:t>
             </a:r>
             <a:r>
-              <a:rPr lang="en-GB" sz="2400" dirty="0" smtClean="0"/>
+              <a:rPr lang="en-GB" sz="2400" dirty="0"/>
               <a:t> 3D </a:t>
             </a:r>
             <a:r>
-              <a:rPr lang="en-GB" sz="2400" dirty="0" err="1" smtClean="0"/>
+              <a:rPr lang="en-GB" sz="2400" dirty="0" err="1"/>
               <a:t>Spiele</a:t>
             </a:r>
             <a:endParaRPr lang="en-GB" sz="2400" dirty="0"/>
@@ -4511,77 +4493,77 @@
           <a:p>
             <a:pPr lvl="2"/>
             <a:r>
-              <a:rPr lang="en-GB" sz="2000" dirty="0" err="1" smtClean="0"/>
+              <a:rPr lang="en-GB" sz="2000" dirty="0" err="1"/>
               <a:t>Tischdecken</a:t>
             </a:r>
-            <a:endParaRPr lang="en-GB" sz="2000" dirty="0" smtClean="0"/>
+            <a:endParaRPr lang="en-GB" sz="2000" dirty="0"/>
           </a:p>
           <a:p>
             <a:pPr lvl="2"/>
             <a:r>
-              <a:rPr lang="en-GB" sz="2000" dirty="0" err="1" smtClean="0"/>
+              <a:rPr lang="en-GB" sz="2000" dirty="0" err="1"/>
               <a:t>Bestellungs</a:t>
             </a:r>
             <a:r>
-              <a:rPr lang="en-GB" sz="2000" dirty="0" smtClean="0"/>
+              <a:rPr lang="en-GB" sz="2000" dirty="0"/>
               <a:t> Memory</a:t>
             </a:r>
           </a:p>
           <a:p>
             <a:pPr lvl="2"/>
             <a:r>
-              <a:rPr lang="en-GB" sz="2000" dirty="0" err="1" smtClean="0"/>
+              <a:rPr lang="en-GB" sz="2000" dirty="0" err="1"/>
               <a:t>Interaktion</a:t>
             </a:r>
             <a:r>
-              <a:rPr lang="en-GB" sz="2000" dirty="0" smtClean="0"/>
+              <a:rPr lang="en-GB" sz="2000" dirty="0"/>
               <a:t> </a:t>
             </a:r>
             <a:r>
-              <a:rPr lang="en-GB" sz="2000" dirty="0" err="1" smtClean="0"/>
+              <a:rPr lang="en-GB" sz="2000" dirty="0" err="1"/>
               <a:t>mit</a:t>
             </a:r>
             <a:r>
-              <a:rPr lang="en-GB" sz="2000" dirty="0" smtClean="0"/>
+              <a:rPr lang="en-GB" sz="2000" dirty="0"/>
               <a:t> </a:t>
             </a:r>
             <a:r>
-              <a:rPr lang="en-GB" sz="2000" dirty="0" err="1" smtClean="0"/>
+              <a:rPr lang="en-GB" sz="2000" dirty="0" err="1"/>
               <a:t>Kunden</a:t>
             </a:r>
-            <a:endParaRPr lang="en-GB" sz="2000" dirty="0" smtClean="0"/>
+            <a:endParaRPr lang="en-GB" sz="2000" dirty="0"/>
           </a:p>
           <a:p>
             <a:pPr lvl="1"/>
             <a:r>
-              <a:rPr lang="en-GB" sz="2400" dirty="0" err="1" smtClean="0"/>
+              <a:rPr lang="en-GB" sz="2400" dirty="0" err="1"/>
               <a:t>Erweiterter</a:t>
             </a:r>
             <a:r>
-              <a:rPr lang="en-GB" sz="2400" dirty="0" smtClean="0"/>
+              <a:rPr lang="en-GB" sz="2400" dirty="0"/>
               <a:t> </a:t>
             </a:r>
             <a:r>
-              <a:rPr lang="en-GB" sz="2400" dirty="0" err="1" smtClean="0"/>
+              <a:rPr lang="en-GB" sz="2400" dirty="0" err="1"/>
               <a:t>Zugriff</a:t>
             </a:r>
             <a:r>
-              <a:rPr lang="en-GB" sz="2400" dirty="0" smtClean="0"/>
+              <a:rPr lang="en-GB" sz="2400" dirty="0"/>
               <a:t> </a:t>
             </a:r>
             <a:r>
-              <a:rPr lang="en-GB" sz="2400" dirty="0" err="1" smtClean="0"/>
+              <a:rPr lang="en-GB" sz="2400" dirty="0" err="1"/>
               <a:t>für</a:t>
             </a:r>
             <a:r>
-              <a:rPr lang="en-GB" sz="2400" dirty="0" smtClean="0"/>
+              <a:rPr lang="en-GB" sz="2400" dirty="0"/>
               <a:t> </a:t>
             </a:r>
             <a:r>
-              <a:rPr lang="en-GB" sz="2400" dirty="0" err="1" smtClean="0"/>
+              <a:rPr lang="en-GB" sz="2400" dirty="0" err="1"/>
               <a:t>Administratoren</a:t>
             </a:r>
-            <a:endParaRPr lang="en-GB" sz="2400" dirty="0" smtClean="0"/>
+            <a:endParaRPr lang="en-GB" sz="2400" dirty="0"/>
           </a:p>
           <a:p>
             <a:pPr marL="0" indent="0">
@@ -4637,10 +4619,9 @@
           <a:lstStyle/>
           <a:p>
             <a:r>
-              <a:rPr lang="de-DE" dirty="0" smtClean="0"/>
+              <a:rPr lang="de-DE" dirty="0"/>
               <a:t>Zeitplan</a:t>
             </a:r>
-            <a:endParaRPr lang="de-DE" dirty="0"/>
           </a:p>
         </p:txBody>
       </p:sp>
@@ -4661,22 +4642,13 @@
           <a:p>
             <a:pPr lvl="1"/>
             <a:r>
-              <a:rPr lang="en-GB" sz="2400" dirty="0" err="1" smtClean="0"/>
+              <a:rPr lang="en-GB" sz="2400" dirty="0" err="1"/>
               <a:t>Beginn</a:t>
             </a:r>
             <a:r>
-              <a:rPr lang="en-GB" sz="2400" dirty="0" smtClean="0"/>
-              <a:t> </a:t>
-            </a:r>
-            <a:r>
               <a:rPr lang="en-GB" sz="2400" dirty="0"/>
-              <a:t>am </a:t>
-            </a:r>
-            <a:r>
-              <a:rPr lang="en-GB" sz="2400" dirty="0" smtClean="0"/>
-              <a:t>18.07.2016</a:t>
-            </a:r>
-            <a:endParaRPr lang="en-GB" sz="2400" dirty="0"/>
+              <a:t> am 18.07.2016</a:t>
+            </a:r>
           </a:p>
           <a:p>
             <a:pPr lvl="1"/>
@@ -4694,84 +4666,75 @@
             </a:r>
             <a:r>
               <a:rPr lang="en-GB" sz="2400" dirty="0"/>
-              <a:t>: </a:t>
-            </a:r>
-            <a:r>
-              <a:rPr lang="en-GB" sz="2400" dirty="0" smtClean="0"/>
-              <a:t>21.10.2016 </a:t>
+              <a:t>: 21.10.2016 (70 </a:t>
+            </a:r>
+            <a:r>
+              <a:rPr lang="en-GB" sz="2400" dirty="0" err="1"/>
+              <a:t>Werktage</a:t>
             </a:r>
             <a:r>
               <a:rPr lang="en-GB" sz="2400" dirty="0"/>
-              <a:t>(70 </a:t>
-            </a:r>
-            <a:r>
-              <a:rPr lang="en-GB" sz="2400" dirty="0" err="1" smtClean="0"/>
-              <a:t>Werktage</a:t>
-            </a:r>
-            <a:r>
-              <a:rPr lang="en-GB" sz="2400" dirty="0" smtClean="0"/>
               <a:t>)</a:t>
             </a:r>
           </a:p>
           <a:p>
             <a:pPr lvl="1"/>
             <a:r>
-              <a:rPr lang="en-GB" sz="2400" dirty="0" err="1" smtClean="0"/>
+              <a:rPr lang="en-GB" sz="2400" dirty="0" err="1"/>
               <a:t>Paralleles</a:t>
             </a:r>
             <a:r>
-              <a:rPr lang="en-GB" sz="2400" dirty="0" smtClean="0"/>
+              <a:rPr lang="en-GB" sz="2400" dirty="0"/>
               <a:t> </a:t>
             </a:r>
             <a:r>
-              <a:rPr lang="en-GB" sz="2400" dirty="0" err="1" smtClean="0"/>
+              <a:rPr lang="en-GB" sz="2400" dirty="0" err="1"/>
               <a:t>Arbeiten</a:t>
             </a:r>
             <a:r>
-              <a:rPr lang="en-GB" sz="2400" dirty="0" smtClean="0"/>
+              <a:rPr lang="en-GB" sz="2400" dirty="0"/>
               <a:t> an </a:t>
             </a:r>
             <a:r>
-              <a:rPr lang="en-GB" sz="2400" dirty="0" err="1" smtClean="0"/>
+              <a:rPr lang="en-GB" sz="2400" dirty="0" err="1"/>
               <a:t>verschiedenen</a:t>
             </a:r>
             <a:r>
-              <a:rPr lang="en-GB" sz="2400" dirty="0" smtClean="0"/>
+              <a:rPr lang="en-GB" sz="2400" dirty="0"/>
               <a:t> </a:t>
             </a:r>
             <a:r>
-              <a:rPr lang="en-GB" sz="2400" dirty="0" err="1" smtClean="0"/>
+              <a:rPr lang="en-GB" sz="2400" dirty="0" err="1"/>
               <a:t>Spielen</a:t>
             </a:r>
-            <a:endParaRPr lang="en-GB" sz="2400" dirty="0" smtClean="0"/>
+            <a:endParaRPr lang="en-GB" sz="2400" dirty="0"/>
           </a:p>
           <a:p>
             <a:pPr lvl="2"/>
             <a:r>
-              <a:rPr lang="en-GB" sz="2000" dirty="0" err="1" smtClean="0"/>
+              <a:rPr lang="en-GB" sz="2000" dirty="0" err="1"/>
               <a:t>Acht</a:t>
             </a:r>
             <a:r>
-              <a:rPr lang="en-GB" sz="2000" dirty="0" smtClean="0"/>
+              <a:rPr lang="en-GB" sz="2000" dirty="0"/>
               <a:t> </a:t>
             </a:r>
             <a:r>
-              <a:rPr lang="en-GB" sz="2000" dirty="0" err="1" smtClean="0"/>
+              <a:rPr lang="en-GB" sz="2000" dirty="0" err="1"/>
               <a:t>Spiele</a:t>
             </a:r>
             <a:r>
-              <a:rPr lang="en-GB" sz="2000" dirty="0" smtClean="0"/>
+              <a:rPr lang="en-GB" sz="2000" dirty="0"/>
               <a:t> auf </a:t>
             </a:r>
             <a:r>
-              <a:rPr lang="en-GB" sz="2000" dirty="0" err="1" smtClean="0"/>
+              <a:rPr lang="en-GB" sz="2000" dirty="0" err="1"/>
               <a:t>zwei</a:t>
             </a:r>
             <a:r>
-              <a:rPr lang="en-GB" sz="2000" dirty="0" smtClean="0"/>
+              <a:rPr lang="en-GB" sz="2000" dirty="0"/>
               <a:t> Teams </a:t>
             </a:r>
-            <a:endParaRPr lang="en-GB" sz="2000" dirty="0"/>
           </a:p>
           <a:p>
             <a:pPr lvl="1"/>
@@ -4859,10 +4822,9 @@
           <a:lstStyle/>
           <a:p>
             <a:r>
-              <a:rPr lang="de-DE" dirty="0" smtClean="0"/>
+              <a:rPr lang="de-DE" dirty="0"/>
               <a:t>Zeitplan</a:t>
             </a:r>
-            <a:endParaRPr lang="de-DE" dirty="0"/>
           </a:p>
         </p:txBody>
       </p:sp>
@@ -4883,20 +4845,16 @@
           <a:p>
             <a:pPr lvl="1"/>
             <a:r>
-              <a:rPr lang="en-GB" sz="2400" dirty="0" smtClean="0"/>
+              <a:rPr lang="en-GB" sz="2400" dirty="0"/>
               <a:t>10 </a:t>
             </a:r>
             <a:r>
-              <a:rPr lang="en-GB" sz="2400" dirty="0" err="1" smtClean="0"/>
+              <a:rPr lang="en-GB" sz="2400" dirty="0" err="1"/>
               <a:t>Werktage</a:t>
             </a:r>
             <a:r>
-              <a:rPr lang="en-GB" sz="2400" dirty="0" smtClean="0"/>
-              <a:t> </a:t>
-            </a:r>
-            <a:r>
               <a:rPr lang="en-GB" sz="2400" dirty="0"/>
-              <a:t>“</a:t>
+              <a:t> “</a:t>
             </a:r>
             <a:r>
               <a:rPr lang="en-GB" sz="2400" dirty="0" err="1"/>
@@ -4907,19 +4865,19 @@
               <a:t>” </a:t>
             </a:r>
             <a:r>
-              <a:rPr lang="en-GB" sz="2400" dirty="0" err="1" smtClean="0"/>
+              <a:rPr lang="en-GB" sz="2400" dirty="0" err="1"/>
               <a:t>Planungsphase</a:t>
             </a:r>
-            <a:endParaRPr lang="en-GB" sz="2400" dirty="0" smtClean="0"/>
+            <a:endParaRPr lang="en-GB" sz="2400" dirty="0"/>
           </a:p>
           <a:p>
             <a:pPr lvl="2"/>
             <a:r>
-              <a:rPr lang="en-GB" sz="2000" dirty="0" err="1" smtClean="0"/>
+              <a:rPr lang="en-GB" sz="2000" dirty="0" err="1"/>
               <a:t>vollständiger</a:t>
             </a:r>
             <a:r>
-              <a:rPr lang="en-GB" sz="2000" dirty="0" smtClean="0"/>
+              <a:rPr lang="en-GB" sz="2000" dirty="0"/>
               <a:t> </a:t>
             </a:r>
             <a:r>
@@ -4939,34 +4897,34 @@
               <a:t> 2 </a:t>
             </a:r>
             <a:r>
-              <a:rPr lang="en-GB" sz="2000" dirty="0" err="1" smtClean="0"/>
+              <a:rPr lang="en-GB" sz="2000" dirty="0" err="1"/>
               <a:t>Spielen</a:t>
             </a:r>
-            <a:endParaRPr lang="en-GB" sz="2000" dirty="0" smtClean="0"/>
+            <a:endParaRPr lang="en-GB" sz="2000" dirty="0"/>
           </a:p>
           <a:p>
             <a:pPr lvl="2"/>
             <a:r>
-              <a:rPr lang="en-GB" sz="2000" dirty="0" err="1" smtClean="0"/>
+              <a:rPr lang="en-GB" sz="2000" dirty="0" err="1"/>
               <a:t>Bis</a:t>
             </a:r>
             <a:r>
-              <a:rPr lang="en-GB" sz="2000" dirty="0" smtClean="0"/>
+              <a:rPr lang="en-GB" sz="2000" dirty="0"/>
               <a:t> 29.07.</a:t>
             </a:r>
           </a:p>
           <a:p>
             <a:pPr lvl="1"/>
             <a:r>
-              <a:rPr lang="en-GB" sz="2400" dirty="0" smtClean="0"/>
+              <a:rPr lang="en-GB" sz="2400" dirty="0"/>
               <a:t>40 </a:t>
             </a:r>
             <a:r>
-              <a:rPr lang="en-GB" sz="2400" dirty="0" err="1" smtClean="0"/>
+              <a:rPr lang="en-GB" sz="2400" dirty="0" err="1"/>
               <a:t>Werktage</a:t>
             </a:r>
             <a:r>
-              <a:rPr lang="en-GB" sz="2400" dirty="0" smtClean="0"/>
+              <a:rPr lang="en-GB" sz="2400" dirty="0"/>
               <a:t> </a:t>
             </a:r>
             <a:r>
@@ -4978,7 +4936,7 @@
               <a:t> </a:t>
             </a:r>
             <a:r>
-              <a:rPr lang="en-GB" sz="2400" dirty="0" err="1" smtClean="0"/>
+              <a:rPr lang="en-GB" sz="2400" dirty="0" err="1"/>
               <a:t>Entwicklungsphase</a:t>
             </a:r>
             <a:endParaRPr lang="en-GB" sz="2400" dirty="0"/>
@@ -4986,37 +4944,37 @@
           <a:p>
             <a:pPr lvl="2"/>
             <a:r>
-              <a:rPr lang="en-GB" sz="2000" dirty="0" err="1" smtClean="0"/>
+              <a:rPr lang="en-GB" sz="2000" dirty="0" err="1"/>
               <a:t>Bis</a:t>
             </a:r>
             <a:r>
-              <a:rPr lang="en-GB" sz="2000" dirty="0" smtClean="0"/>
+              <a:rPr lang="en-GB" sz="2000" dirty="0"/>
               <a:t> 23.09.</a:t>
             </a:r>
           </a:p>
           <a:p>
             <a:pPr lvl="1"/>
             <a:r>
-              <a:rPr lang="en-GB" sz="2400" dirty="0" smtClean="0"/>
+              <a:rPr lang="en-GB" sz="2400" dirty="0"/>
               <a:t>20 </a:t>
             </a:r>
             <a:r>
-              <a:rPr lang="en-GB" sz="2400" dirty="0" err="1" smtClean="0"/>
+              <a:rPr lang="en-GB" sz="2400" dirty="0" err="1"/>
               <a:t>Werktage</a:t>
             </a:r>
             <a:r>
-              <a:rPr lang="en-GB" sz="2400" dirty="0" smtClean="0"/>
+              <a:rPr lang="en-GB" sz="2400" dirty="0"/>
               <a:t> Testing</a:t>
             </a:r>
           </a:p>
           <a:p>
             <a:pPr lvl="2"/>
             <a:r>
-              <a:rPr lang="en-GB" sz="2000" dirty="0" err="1" smtClean="0"/>
+              <a:rPr lang="en-GB" sz="2000" dirty="0" err="1"/>
               <a:t>Bis</a:t>
             </a:r>
             <a:r>
-              <a:rPr lang="en-GB" sz="2000" dirty="0" smtClean="0"/>
+              <a:rPr lang="en-GB" sz="2000" dirty="0"/>
               <a:t> 21.10.</a:t>
             </a:r>
           </a:p>
@@ -5068,10 +5026,9 @@
           <a:lstStyle/>
           <a:p>
             <a:r>
-              <a:rPr lang="de-DE" dirty="0" smtClean="0"/>
+              <a:rPr lang="de-DE" dirty="0"/>
               <a:t>Kosten</a:t>
             </a:r>
-            <a:endParaRPr lang="de-DE" dirty="0"/>
           </a:p>
         </p:txBody>
       </p:sp>
@@ -5101,11 +5058,41 @@
                 <a:tableStyleId>{5C22544A-7EE6-4342-B048-85BDC9FD1C3A}</a:tableStyleId>
               </a:tblPr>
               <a:tblGrid>
-                <a:gridCol w="2539658"/>
-                <a:gridCol w="1837346"/>
-                <a:gridCol w="1684607"/>
-                <a:gridCol w="2020537"/>
-                <a:gridCol w="2020537"/>
+                <a:gridCol w="2539658">
+                  <a:extLst>
+                    <a:ext uri="{9D8B030D-6E8A-4147-A177-3AD203B41FA5}">
+                      <a16:colId xmlns:a16="http://schemas.microsoft.com/office/drawing/2014/main" val="20000"/>
+                    </a:ext>
+                  </a:extLst>
+                </a:gridCol>
+                <a:gridCol w="1837346">
+                  <a:extLst>
+                    <a:ext uri="{9D8B030D-6E8A-4147-A177-3AD203B41FA5}">
+                      <a16:colId xmlns:a16="http://schemas.microsoft.com/office/drawing/2014/main" val="20001"/>
+                    </a:ext>
+                  </a:extLst>
+                </a:gridCol>
+                <a:gridCol w="1684607">
+                  <a:extLst>
+                    <a:ext uri="{9D8B030D-6E8A-4147-A177-3AD203B41FA5}">
+                      <a16:colId xmlns:a16="http://schemas.microsoft.com/office/drawing/2014/main" val="20002"/>
+                    </a:ext>
+                  </a:extLst>
+                </a:gridCol>
+                <a:gridCol w="2020537">
+                  <a:extLst>
+                    <a:ext uri="{9D8B030D-6E8A-4147-A177-3AD203B41FA5}">
+                      <a16:colId xmlns:a16="http://schemas.microsoft.com/office/drawing/2014/main" val="20003"/>
+                    </a:ext>
+                  </a:extLst>
+                </a:gridCol>
+                <a:gridCol w="2020537">
+                  <a:extLst>
+                    <a:ext uri="{9D8B030D-6E8A-4147-A177-3AD203B41FA5}">
+                      <a16:colId xmlns:a16="http://schemas.microsoft.com/office/drawing/2014/main" val="20004"/>
+                    </a:ext>
+                  </a:extLst>
+                </a:gridCol>
               </a:tblGrid>
               <a:tr h="370840">
                 <a:tc>
@@ -5130,7 +5117,7 @@
                         <a:tabLst/>
                         <a:defRPr/>
                       </a:pPr>
-                      <a:endParaRPr lang="en-GB" sz="1800" b="0" i="0" u="none" strike="noStrike" kern="1200" dirty="0" smtClean="0">
+                      <a:endParaRPr lang="en-GB" sz="1800" b="0" i="0" u="none" strike="noStrike" kern="1200" dirty="0">
                         <a:ln>
                           <a:noFill/>
                         </a:ln>
@@ -5152,14 +5139,11 @@
                     <a:lstStyle/>
                     <a:p>
                       <a:r>
-                        <a:rPr lang="de-DE" sz="1800" b="0" dirty="0" smtClean="0">
+                        <a:rPr lang="de-DE" sz="1800" b="0" dirty="0">
                           <a:latin typeface="+mn-lt"/>
                         </a:rPr>
                         <a:t>Tagessatz</a:t>
                       </a:r>
-                      <a:endParaRPr lang="de-DE" sz="1800" b="0" dirty="0">
-                        <a:latin typeface="+mn-lt"/>
-                      </a:endParaRPr>
                     </a:p>
                   </a:txBody>
                   <a:tcPr>
@@ -5174,14 +5158,11 @@
                     <a:lstStyle/>
                     <a:p>
                       <a:r>
-                        <a:rPr lang="de-DE" sz="1800" b="0" dirty="0" smtClean="0">
+                        <a:rPr lang="de-DE" sz="1800" b="0" dirty="0">
                           <a:latin typeface="+mn-lt"/>
                         </a:rPr>
                         <a:t>Anzahl</a:t>
                       </a:r>
-                      <a:endParaRPr lang="de-DE" sz="1800" b="0" dirty="0">
-                        <a:latin typeface="+mn-lt"/>
-                      </a:endParaRPr>
                     </a:p>
                   </a:txBody>
                   <a:tcPr>
@@ -5196,14 +5177,11 @@
                     <a:lstStyle/>
                     <a:p>
                       <a:r>
-                        <a:rPr lang="de-DE" sz="1800" b="0" dirty="0" smtClean="0">
+                        <a:rPr lang="de-DE" sz="1800" b="0" dirty="0">
                           <a:latin typeface="+mn-lt"/>
                         </a:rPr>
                         <a:t>Arbeitstage</a:t>
                       </a:r>
-                      <a:endParaRPr lang="de-DE" sz="1800" b="0" dirty="0">
-                        <a:latin typeface="+mn-lt"/>
-                      </a:endParaRPr>
                     </a:p>
                   </a:txBody>
                   <a:tcPr>
@@ -5218,14 +5196,11 @@
                     <a:lstStyle/>
                     <a:p>
                       <a:r>
-                        <a:rPr lang="de-DE" sz="1800" b="0" dirty="0" smtClean="0">
+                        <a:rPr lang="de-DE" sz="1800" b="0" dirty="0">
                           <a:latin typeface="+mn-lt"/>
                         </a:rPr>
                         <a:t>Gesamt</a:t>
                       </a:r>
-                      <a:endParaRPr lang="de-DE" sz="1800" b="0" dirty="0">
-                        <a:latin typeface="+mn-lt"/>
-                      </a:endParaRPr>
                     </a:p>
                   </a:txBody>
                   <a:tcPr>
@@ -5234,6 +5209,11 @@
                     </a:solidFill>
                   </a:tcPr>
                 </a:tc>
+                <a:extLst>
+                  <a:ext uri="{0D108BD9-81ED-4DB2-BD59-A6C34878D82A}">
+                    <a16:rowId xmlns:a16="http://schemas.microsoft.com/office/drawing/2014/main" val="10000"/>
+                  </a:ext>
+                </a:extLst>
               </a:tr>
               <a:tr h="370840">
                 <a:tc>
@@ -5259,7 +5239,7 @@
                         <a:defRPr/>
                       </a:pPr>
                       <a:r>
-                        <a:rPr lang="en-GB" sz="1800" b="0" i="0" u="none" strike="noStrike" kern="1200" dirty="0" err="1" smtClean="0">
+                        <a:rPr lang="en-GB" sz="1800" b="0" i="0" u="none" strike="noStrike" kern="1200" dirty="0" err="1">
                           <a:ln>
                             <a:noFill/>
                           </a:ln>
@@ -5270,7 +5250,7 @@
                         <a:t>Projekt</a:t>
                       </a:r>
                       <a:r>
-                        <a:rPr lang="en-GB" sz="1800" b="0" i="0" u="none" strike="noStrike" kern="1200" dirty="0" smtClean="0">
+                        <a:rPr lang="en-GB" sz="1800" b="0" i="0" u="none" strike="noStrike" kern="1200" dirty="0">
                           <a:ln>
                             <a:noFill/>
                           </a:ln>
@@ -5281,7 +5261,7 @@
                         <a:t> </a:t>
                       </a:r>
                       <a:r>
-                        <a:rPr lang="en-GB" sz="1800" b="0" i="0" u="none" strike="noStrike" kern="1200" dirty="0" err="1" smtClean="0">
+                        <a:rPr lang="en-GB" sz="1800" b="0" i="0" u="none" strike="noStrike" kern="1200" dirty="0" err="1">
                           <a:ln>
                             <a:noFill/>
                           </a:ln>
@@ -5291,7 +5271,7 @@
                         </a:rPr>
                         <a:t>Direktor</a:t>
                       </a:r>
-                      <a:endParaRPr lang="en-GB" sz="1800" b="0" i="0" u="none" strike="noStrike" kern="1200" dirty="0" smtClean="0">
+                      <a:endParaRPr lang="en-GB" sz="1800" b="0" i="0" u="none" strike="noStrike" kern="1200" dirty="0">
                         <a:ln>
                           <a:noFill/>
                         </a:ln>
@@ -5309,7 +5289,7 @@
                     <a:lstStyle/>
                     <a:p>
                       <a:r>
-                        <a:rPr lang="de-DE" sz="1800" dirty="0" smtClean="0">
+                        <a:rPr lang="de-DE" sz="1800" dirty="0">
                           <a:latin typeface="+mn-lt"/>
                         </a:rPr>
                         <a:t>1000 €</a:t>
@@ -5324,14 +5304,11 @@
                     <a:lstStyle/>
                     <a:p>
                       <a:r>
-                        <a:rPr lang="de-DE" sz="1800" dirty="0" smtClean="0">
+                        <a:rPr lang="de-DE" sz="1800" dirty="0">
                           <a:latin typeface="+mn-lt"/>
                         </a:rPr>
                         <a:t>1</a:t>
                       </a:r>
-                      <a:endParaRPr lang="de-DE" sz="1800" dirty="0">
-                        <a:latin typeface="+mn-lt"/>
-                      </a:endParaRPr>
                     </a:p>
                   </a:txBody>
                   <a:tcPr/>
@@ -5342,14 +5319,11 @@
                     <a:lstStyle/>
                     <a:p>
                       <a:r>
-                        <a:rPr lang="de-DE" sz="1800" dirty="0" smtClean="0">
+                        <a:rPr lang="de-DE" sz="1800" dirty="0">
                           <a:latin typeface="+mn-lt"/>
                         </a:rPr>
                         <a:t>70</a:t>
                       </a:r>
-                      <a:endParaRPr lang="de-DE" sz="1800" dirty="0">
-                        <a:latin typeface="+mn-lt"/>
-                      </a:endParaRPr>
                     </a:p>
                   </a:txBody>
                   <a:tcPr/>
@@ -5360,18 +5334,20 @@
                     <a:lstStyle/>
                     <a:p>
                       <a:r>
-                        <a:rPr lang="de-DE" sz="1800" dirty="0" smtClean="0">
+                        <a:rPr lang="de-DE" sz="1800" dirty="0">
                           <a:latin typeface="+mn-lt"/>
                         </a:rPr>
                         <a:t>70000 €</a:t>
                       </a:r>
-                      <a:endParaRPr lang="de-DE" sz="1800" dirty="0">
-                        <a:latin typeface="+mn-lt"/>
-                      </a:endParaRPr>
                     </a:p>
                   </a:txBody>
                   <a:tcPr/>
                 </a:tc>
+                <a:extLst>
+                  <a:ext uri="{0D108BD9-81ED-4DB2-BD59-A6C34878D82A}">
+                    <a16:rowId xmlns:a16="http://schemas.microsoft.com/office/drawing/2014/main" val="10001"/>
+                  </a:ext>
+                </a:extLst>
               </a:tr>
               <a:tr h="370840">
                 <a:tc>
@@ -5397,7 +5373,7 @@
                         <a:defRPr/>
                       </a:pPr>
                       <a:r>
-                        <a:rPr lang="en-GB" sz="1800" b="0" i="0" u="none" strike="noStrike" kern="1200" dirty="0" err="1" smtClean="0">
+                        <a:rPr lang="en-GB" sz="1800" b="0" i="0" u="none" strike="noStrike" kern="1200" dirty="0" err="1">
                           <a:ln>
                             <a:noFill/>
                           </a:ln>
@@ -5408,7 +5384,7 @@
                         <a:t>Lern</a:t>
                       </a:r>
                       <a:r>
-                        <a:rPr lang="en-GB" sz="1800" b="0" i="0" u="none" strike="noStrike" kern="1200" dirty="0" smtClean="0">
+                        <a:rPr lang="en-GB" sz="1800" b="0" i="0" u="none" strike="noStrike" kern="1200" dirty="0">
                           <a:ln>
                             <a:noFill/>
                           </a:ln>
@@ -5428,20 +5404,11 @@
                     <a:lstStyle/>
                     <a:p>
                       <a:r>
-                        <a:rPr lang="de-DE" sz="1800" dirty="0" smtClean="0">
+                        <a:rPr lang="de-DE" sz="1800" dirty="0">
                           <a:latin typeface="+mn-lt"/>
                         </a:rPr>
-                        <a:t>800</a:t>
+                        <a:t>800 €</a:t>
                       </a:r>
-                      <a:r>
-                        <a:rPr lang="de-DE" sz="1800" dirty="0" smtClean="0">
-                          <a:latin typeface="+mn-lt"/>
-                        </a:rPr>
-                        <a:t> €</a:t>
-                      </a:r>
-                      <a:endParaRPr lang="de-DE" sz="1800" dirty="0">
-                        <a:latin typeface="+mn-lt"/>
-                      </a:endParaRPr>
                     </a:p>
                   </a:txBody>
                   <a:tcPr/>
@@ -5452,14 +5419,11 @@
                     <a:lstStyle/>
                     <a:p>
                       <a:r>
-                        <a:rPr lang="de-DE" sz="1800" dirty="0" smtClean="0">
+                        <a:rPr lang="de-DE" sz="1800" dirty="0">
                           <a:latin typeface="+mn-lt"/>
                         </a:rPr>
                         <a:t>1</a:t>
                       </a:r>
-                      <a:endParaRPr lang="de-DE" sz="1800" dirty="0">
-                        <a:latin typeface="+mn-lt"/>
-                      </a:endParaRPr>
                     </a:p>
                   </a:txBody>
                   <a:tcPr/>
@@ -5470,14 +5434,11 @@
                     <a:lstStyle/>
                     <a:p>
                       <a:r>
-                        <a:rPr lang="de-DE" sz="1800" dirty="0" smtClean="0">
+                        <a:rPr lang="de-DE" sz="1800" dirty="0">
                           <a:latin typeface="+mn-lt"/>
                         </a:rPr>
                         <a:t>50</a:t>
                       </a:r>
-                      <a:endParaRPr lang="de-DE" sz="1800" dirty="0">
-                        <a:latin typeface="+mn-lt"/>
-                      </a:endParaRPr>
                     </a:p>
                   </a:txBody>
                   <a:tcPr/>
@@ -5488,7 +5449,7 @@
                     <a:lstStyle/>
                     <a:p>
                       <a:r>
-                        <a:rPr lang="de-DE" sz="1800" dirty="0" smtClean="0">
+                        <a:rPr lang="de-DE" sz="1800" dirty="0">
                           <a:latin typeface="+mn-lt"/>
                         </a:rPr>
                         <a:t>40000 €</a:t>
@@ -5497,6 +5458,11 @@
                   </a:txBody>
                   <a:tcPr/>
                 </a:tc>
+                <a:extLst>
+                  <a:ext uri="{0D108BD9-81ED-4DB2-BD59-A6C34878D82A}">
+                    <a16:rowId xmlns:a16="http://schemas.microsoft.com/office/drawing/2014/main" val="10002"/>
+                  </a:ext>
+                </a:extLst>
               </a:tr>
               <a:tr h="370840">
                 <a:tc>
@@ -5522,7 +5488,7 @@
                         <a:defRPr/>
                       </a:pPr>
                       <a:r>
-                        <a:rPr lang="en-GB" sz="1800" b="0" i="0" u="none" strike="noStrike" kern="1200" dirty="0" err="1" smtClean="0">
+                        <a:rPr lang="en-GB" sz="1800" b="0" i="0" u="none" strike="noStrike" kern="1200" dirty="0" err="1">
                           <a:ln>
                             <a:noFill/>
                           </a:ln>
@@ -5533,7 +5499,7 @@
                         <a:t>Projekt</a:t>
                       </a:r>
                       <a:r>
-                        <a:rPr lang="en-GB" sz="1800" b="0" i="0" u="none" strike="noStrike" kern="1200" dirty="0" smtClean="0">
+                        <a:rPr lang="en-GB" sz="1800" b="0" i="0" u="none" strike="noStrike" kern="1200" dirty="0">
                           <a:ln>
                             <a:noFill/>
                           </a:ln>
@@ -5553,20 +5519,11 @@
                     <a:lstStyle/>
                     <a:p>
                       <a:r>
-                        <a:rPr lang="de-DE" sz="1800" dirty="0" smtClean="0">
+                        <a:rPr lang="de-DE" sz="1800" dirty="0">
                           <a:latin typeface="+mn-lt"/>
                         </a:rPr>
-                        <a:t>700</a:t>
+                        <a:t>700 €</a:t>
                       </a:r>
-                      <a:r>
-                        <a:rPr lang="de-DE" sz="1800" dirty="0" smtClean="0">
-                          <a:latin typeface="+mn-lt"/>
-                        </a:rPr>
-                        <a:t> €</a:t>
-                      </a:r>
-                      <a:endParaRPr lang="de-DE" sz="1800" dirty="0">
-                        <a:latin typeface="+mn-lt"/>
-                      </a:endParaRPr>
                     </a:p>
                   </a:txBody>
                   <a:tcPr/>
@@ -5577,14 +5534,11 @@
                     <a:lstStyle/>
                     <a:p>
                       <a:r>
-                        <a:rPr lang="de-DE" sz="1800" dirty="0" smtClean="0">
+                        <a:rPr lang="de-DE" sz="1800" dirty="0">
                           <a:latin typeface="+mn-lt"/>
                         </a:rPr>
                         <a:t>1</a:t>
                       </a:r>
-                      <a:endParaRPr lang="de-DE" sz="1800" dirty="0">
-                        <a:latin typeface="+mn-lt"/>
-                      </a:endParaRPr>
                     </a:p>
                   </a:txBody>
                   <a:tcPr/>
@@ -5595,14 +5549,11 @@
                     <a:lstStyle/>
                     <a:p>
                       <a:r>
-                        <a:rPr lang="de-DE" sz="1800" dirty="0" smtClean="0">
+                        <a:rPr lang="de-DE" sz="1800" dirty="0">
                           <a:latin typeface="+mn-lt"/>
                         </a:rPr>
                         <a:t>70</a:t>
                       </a:r>
-                      <a:endParaRPr lang="de-DE" sz="1800" dirty="0">
-                        <a:latin typeface="+mn-lt"/>
-                      </a:endParaRPr>
                     </a:p>
                   </a:txBody>
                   <a:tcPr/>
@@ -5613,18 +5564,20 @@
                     <a:lstStyle/>
                     <a:p>
                       <a:r>
-                        <a:rPr lang="de-DE" sz="1800" dirty="0" smtClean="0">
+                        <a:rPr lang="de-DE" sz="1800" dirty="0">
                           <a:latin typeface="+mn-lt"/>
                         </a:rPr>
                         <a:t>49000 €</a:t>
                       </a:r>
-                      <a:endParaRPr lang="de-DE" sz="1800" dirty="0">
-                        <a:latin typeface="+mn-lt"/>
-                      </a:endParaRPr>
                     </a:p>
                   </a:txBody>
                   <a:tcPr/>
                 </a:tc>
+                <a:extLst>
+                  <a:ext uri="{0D108BD9-81ED-4DB2-BD59-A6C34878D82A}">
+                    <a16:rowId xmlns:a16="http://schemas.microsoft.com/office/drawing/2014/main" val="10003"/>
+                  </a:ext>
+                </a:extLst>
               </a:tr>
               <a:tr h="370840">
                 <a:tc>
@@ -5646,7 +5599,7 @@
                         <a:tabLst/>
                       </a:pPr>
                       <a:r>
-                        <a:rPr lang="en-GB" sz="1800" b="0" i="0" u="none" strike="noStrike" kern="1200" dirty="0" smtClean="0">
+                        <a:rPr lang="en-GB" sz="1800" b="0" i="0" u="none" strike="noStrike" kern="1200" dirty="0">
                           <a:ln>
                             <a:noFill/>
                           </a:ln>
@@ -5657,7 +5610,7 @@
                         <a:t>Hotel </a:t>
                       </a:r>
                       <a:r>
-                        <a:rPr lang="en-GB" sz="1800" b="0" i="0" u="none" strike="noStrike" kern="1200" dirty="0" err="1" smtClean="0">
+                        <a:rPr lang="en-GB" sz="1800" b="0" i="0" u="none" strike="noStrike" kern="1200" dirty="0" err="1">
                           <a:ln>
                             <a:noFill/>
                           </a:ln>
@@ -5685,14 +5638,11 @@
                     <a:lstStyle/>
                     <a:p>
                       <a:r>
-                        <a:rPr lang="de-DE" sz="1800" dirty="0" smtClean="0">
+                        <a:rPr lang="de-DE" sz="1800" dirty="0">
                           <a:latin typeface="+mn-lt"/>
                         </a:rPr>
                         <a:t>700 €</a:t>
                       </a:r>
-                      <a:endParaRPr lang="de-DE" sz="1800" dirty="0">
-                        <a:latin typeface="+mn-lt"/>
-                      </a:endParaRPr>
                     </a:p>
                   </a:txBody>
                   <a:tcPr/>
@@ -5703,14 +5653,11 @@
                     <a:lstStyle/>
                     <a:p>
                       <a:r>
-                        <a:rPr lang="de-DE" sz="1800" dirty="0" smtClean="0">
+                        <a:rPr lang="de-DE" sz="1800" dirty="0">
                           <a:latin typeface="+mn-lt"/>
                         </a:rPr>
                         <a:t>1</a:t>
                       </a:r>
-                      <a:endParaRPr lang="de-DE" sz="1800" dirty="0">
-                        <a:latin typeface="+mn-lt"/>
-                      </a:endParaRPr>
                     </a:p>
                   </a:txBody>
                   <a:tcPr/>
@@ -5721,14 +5668,11 @@
                     <a:lstStyle/>
                     <a:p>
                       <a:r>
-                        <a:rPr lang="de-DE" sz="1800" dirty="0" smtClean="0">
+                        <a:rPr lang="de-DE" sz="1800" dirty="0">
                           <a:latin typeface="+mn-lt"/>
                         </a:rPr>
                         <a:t>50</a:t>
                       </a:r>
-                      <a:endParaRPr lang="de-DE" sz="1800" dirty="0">
-                        <a:latin typeface="+mn-lt"/>
-                      </a:endParaRPr>
                     </a:p>
                   </a:txBody>
                   <a:tcPr/>
@@ -5739,18 +5683,20 @@
                     <a:lstStyle/>
                     <a:p>
                       <a:r>
-                        <a:rPr lang="de-DE" sz="1800" dirty="0" smtClean="0">
+                        <a:rPr lang="de-DE" sz="1800" dirty="0">
                           <a:latin typeface="+mn-lt"/>
                         </a:rPr>
                         <a:t>42000 €</a:t>
                       </a:r>
-                      <a:endParaRPr lang="de-DE" sz="1800" dirty="0">
-                        <a:latin typeface="+mn-lt"/>
-                      </a:endParaRPr>
                     </a:p>
                   </a:txBody>
                   <a:tcPr/>
                 </a:tc>
+                <a:extLst>
+                  <a:ext uri="{0D108BD9-81ED-4DB2-BD59-A6C34878D82A}">
+                    <a16:rowId xmlns:a16="http://schemas.microsoft.com/office/drawing/2014/main" val="10004"/>
+                  </a:ext>
+                </a:extLst>
               </a:tr>
               <a:tr h="370840">
                 <a:tc>
@@ -5776,7 +5722,7 @@
                         <a:defRPr/>
                       </a:pPr>
                       <a:r>
-                        <a:rPr lang="en-GB" sz="1800" b="0" i="0" u="none" strike="noStrike" kern="1200" dirty="0" smtClean="0">
+                        <a:rPr lang="en-GB" sz="1800" b="0" i="0" u="none" strike="noStrike" kern="1200" dirty="0">
                           <a:ln>
                             <a:noFill/>
                           </a:ln>
@@ -5796,20 +5742,11 @@
                     <a:lstStyle/>
                     <a:p>
                       <a:r>
-                        <a:rPr lang="de-DE" sz="1800" dirty="0" smtClean="0">
+                        <a:rPr lang="de-DE" sz="1800" dirty="0">
                           <a:latin typeface="+mn-lt"/>
                         </a:rPr>
-                        <a:t>600</a:t>
+                        <a:t>600 €</a:t>
                       </a:r>
-                      <a:r>
-                        <a:rPr lang="de-DE" sz="1800" dirty="0" smtClean="0">
-                          <a:latin typeface="+mn-lt"/>
-                        </a:rPr>
-                        <a:t> €</a:t>
-                      </a:r>
-                      <a:endParaRPr lang="de-DE" sz="1800" dirty="0">
-                        <a:latin typeface="+mn-lt"/>
-                      </a:endParaRPr>
                     </a:p>
                   </a:txBody>
                   <a:tcPr/>
@@ -5820,14 +5757,11 @@
                     <a:lstStyle/>
                     <a:p>
                       <a:r>
-                        <a:rPr lang="de-DE" sz="1800" dirty="0" smtClean="0">
+                        <a:rPr lang="de-DE" sz="1800" dirty="0">
                           <a:latin typeface="+mn-lt"/>
                         </a:rPr>
                         <a:t>2</a:t>
                       </a:r>
-                      <a:endParaRPr lang="de-DE" sz="1800" dirty="0">
-                        <a:latin typeface="+mn-lt"/>
-                      </a:endParaRPr>
                     </a:p>
                   </a:txBody>
                   <a:tcPr/>
@@ -5838,14 +5772,11 @@
                     <a:lstStyle/>
                     <a:p>
                       <a:r>
-                        <a:rPr lang="de-DE" sz="1800" dirty="0" smtClean="0">
+                        <a:rPr lang="de-DE" sz="1800" dirty="0">
                           <a:latin typeface="+mn-lt"/>
                         </a:rPr>
                         <a:t>50</a:t>
                       </a:r>
-                      <a:endParaRPr lang="de-DE" sz="1800" dirty="0">
-                        <a:latin typeface="+mn-lt"/>
-                      </a:endParaRPr>
                     </a:p>
                   </a:txBody>
                   <a:tcPr/>
@@ -5856,18 +5787,20 @@
                     <a:lstStyle/>
                     <a:p>
                       <a:r>
-                        <a:rPr lang="de-DE" sz="1800" dirty="0" smtClean="0">
+                        <a:rPr lang="de-DE" sz="1800" dirty="0">
                           <a:latin typeface="+mn-lt"/>
                         </a:rPr>
                         <a:t>60000 €</a:t>
                       </a:r>
-                      <a:endParaRPr lang="de-DE" sz="1800" dirty="0">
-                        <a:latin typeface="+mn-lt"/>
-                      </a:endParaRPr>
                     </a:p>
                   </a:txBody>
                   <a:tcPr/>
                 </a:tc>
+                <a:extLst>
+                  <a:ext uri="{0D108BD9-81ED-4DB2-BD59-A6C34878D82A}">
+                    <a16:rowId xmlns:a16="http://schemas.microsoft.com/office/drawing/2014/main" val="10005"/>
+                  </a:ext>
+                </a:extLst>
               </a:tr>
               <a:tr h="370840">
                 <a:tc>
@@ -5893,7 +5826,7 @@
                         <a:defRPr/>
                       </a:pPr>
                       <a:r>
-                        <a:rPr lang="en-GB" sz="1800" b="0" i="0" u="none" strike="noStrike" kern="1200" dirty="0" smtClean="0">
+                        <a:rPr lang="en-GB" sz="1800" b="0" i="0" u="none" strike="noStrike" kern="1200" dirty="0">
                           <a:ln>
                             <a:noFill/>
                           </a:ln>
@@ -5913,20 +5846,11 @@
                     <a:lstStyle/>
                     <a:p>
                       <a:r>
-                        <a:rPr lang="de-DE" sz="1800" dirty="0" smtClean="0">
+                        <a:rPr lang="de-DE" sz="1800" dirty="0">
                           <a:latin typeface="+mn-lt"/>
                         </a:rPr>
-                        <a:t>600</a:t>
+                        <a:t>600 €</a:t>
                       </a:r>
-                      <a:r>
-                        <a:rPr lang="de-DE" sz="1800" dirty="0" smtClean="0">
-                          <a:latin typeface="+mn-lt"/>
-                        </a:rPr>
-                        <a:t> €</a:t>
-                      </a:r>
-                      <a:endParaRPr lang="de-DE" sz="1800" dirty="0">
-                        <a:latin typeface="+mn-lt"/>
-                      </a:endParaRPr>
                     </a:p>
                   </a:txBody>
                   <a:tcPr/>
@@ -5937,14 +5861,11 @@
                     <a:lstStyle/>
                     <a:p>
                       <a:r>
-                        <a:rPr lang="de-DE" sz="1800" dirty="0" smtClean="0">
+                        <a:rPr lang="de-DE" sz="1800" dirty="0">
                           <a:latin typeface="+mn-lt"/>
                         </a:rPr>
                         <a:t>4</a:t>
                       </a:r>
-                      <a:endParaRPr lang="de-DE" sz="1800" dirty="0">
-                        <a:latin typeface="+mn-lt"/>
-                      </a:endParaRPr>
                     </a:p>
                   </a:txBody>
                   <a:tcPr/>
@@ -5955,14 +5876,11 @@
                     <a:lstStyle/>
                     <a:p>
                       <a:r>
-                        <a:rPr lang="de-DE" sz="1800" dirty="0" smtClean="0">
+                        <a:rPr lang="de-DE" sz="1800" dirty="0">
                           <a:latin typeface="+mn-lt"/>
                         </a:rPr>
                         <a:t>40</a:t>
                       </a:r>
-                      <a:endParaRPr lang="de-DE" sz="1800" dirty="0">
-                        <a:latin typeface="+mn-lt"/>
-                      </a:endParaRPr>
                     </a:p>
                   </a:txBody>
                   <a:tcPr/>
@@ -5973,18 +5891,20 @@
                     <a:lstStyle/>
                     <a:p>
                       <a:r>
-                        <a:rPr lang="de-DE" sz="1800" dirty="0" smtClean="0">
+                        <a:rPr lang="de-DE" sz="1800" dirty="0">
                           <a:latin typeface="+mn-lt"/>
                         </a:rPr>
                         <a:t>96000 €</a:t>
                       </a:r>
-                      <a:endParaRPr lang="de-DE" sz="1800" dirty="0">
-                        <a:latin typeface="+mn-lt"/>
-                      </a:endParaRPr>
                     </a:p>
                   </a:txBody>
                   <a:tcPr/>
                 </a:tc>
+                <a:extLst>
+                  <a:ext uri="{0D108BD9-81ED-4DB2-BD59-A6C34878D82A}">
+                    <a16:rowId xmlns:a16="http://schemas.microsoft.com/office/drawing/2014/main" val="10006"/>
+                  </a:ext>
+                </a:extLst>
               </a:tr>
               <a:tr h="370840">
                 <a:tc>
@@ -6010,7 +5930,7 @@
                         <a:defRPr/>
                       </a:pPr>
                       <a:r>
-                        <a:rPr lang="en-GB" sz="1800" b="0" i="0" u="none" strike="noStrike" kern="1200" dirty="0" smtClean="0">
+                        <a:rPr lang="en-GB" sz="1800" b="0" i="0" u="none" strike="noStrike" kern="1200" dirty="0">
                           <a:ln>
                             <a:noFill/>
                           </a:ln>
@@ -6030,20 +5950,11 @@
                     <a:lstStyle/>
                     <a:p>
                       <a:r>
-                        <a:rPr lang="de-DE" sz="1800" dirty="0" smtClean="0">
+                        <a:rPr lang="de-DE" sz="1800" dirty="0">
                           <a:latin typeface="+mn-lt"/>
                         </a:rPr>
-                        <a:t>450</a:t>
+                        <a:t>450 €</a:t>
                       </a:r>
-                      <a:r>
-                        <a:rPr lang="de-DE" sz="1800" dirty="0" smtClean="0">
-                          <a:latin typeface="+mn-lt"/>
-                        </a:rPr>
-                        <a:t> €</a:t>
-                      </a:r>
-                      <a:endParaRPr lang="de-DE" sz="1800" dirty="0">
-                        <a:latin typeface="+mn-lt"/>
-                      </a:endParaRPr>
                     </a:p>
                   </a:txBody>
                   <a:tcPr/>
@@ -6054,14 +5965,11 @@
                     <a:lstStyle/>
                     <a:p>
                       <a:r>
-                        <a:rPr lang="de-DE" sz="1800" dirty="0" smtClean="0">
+                        <a:rPr lang="de-DE" sz="1800" dirty="0">
                           <a:latin typeface="+mn-lt"/>
                         </a:rPr>
                         <a:t>4</a:t>
                       </a:r>
-                      <a:endParaRPr lang="de-DE" sz="1800" dirty="0">
-                        <a:latin typeface="+mn-lt"/>
-                      </a:endParaRPr>
                     </a:p>
                   </a:txBody>
                   <a:tcPr/>
@@ -6072,14 +5980,11 @@
                     <a:lstStyle/>
                     <a:p>
                       <a:r>
-                        <a:rPr lang="de-DE" sz="1800" dirty="0" smtClean="0">
+                        <a:rPr lang="de-DE" sz="1800" dirty="0">
                           <a:latin typeface="+mn-lt"/>
                         </a:rPr>
                         <a:t>40</a:t>
                       </a:r>
-                      <a:endParaRPr lang="de-DE" sz="1800" dirty="0">
-                        <a:latin typeface="+mn-lt"/>
-                      </a:endParaRPr>
                     </a:p>
                   </a:txBody>
                   <a:tcPr/>
@@ -6090,18 +5995,20 @@
                     <a:lstStyle/>
                     <a:p>
                       <a:r>
-                        <a:rPr lang="de-DE" sz="1800" dirty="0" smtClean="0">
+                        <a:rPr lang="de-DE" sz="1800" dirty="0">
                           <a:latin typeface="+mn-lt"/>
                         </a:rPr>
                         <a:t>72000 €</a:t>
                       </a:r>
-                      <a:endParaRPr lang="de-DE" sz="1800" dirty="0">
-                        <a:latin typeface="+mn-lt"/>
-                      </a:endParaRPr>
                     </a:p>
                   </a:txBody>
                   <a:tcPr/>
                 </a:tc>
+                <a:extLst>
+                  <a:ext uri="{0D108BD9-81ED-4DB2-BD59-A6C34878D82A}">
+                    <a16:rowId xmlns:a16="http://schemas.microsoft.com/office/drawing/2014/main" val="10007"/>
+                  </a:ext>
+                </a:extLst>
               </a:tr>
               <a:tr h="370840">
                 <a:tc>
@@ -6127,7 +6034,7 @@
                         <a:defRPr/>
                       </a:pPr>
                       <a:r>
-                        <a:rPr lang="en-GB" sz="1800" b="0" i="0" u="none" strike="noStrike" kern="1200" dirty="0" smtClean="0">
+                        <a:rPr lang="en-GB" sz="1800" b="0" i="0" u="none" strike="noStrike" kern="1200" dirty="0">
                           <a:ln>
                             <a:noFill/>
                           </a:ln>
@@ -6157,20 +6064,11 @@
                     <a:lstStyle/>
                     <a:p>
                       <a:r>
-                        <a:rPr lang="de-DE" sz="1800" dirty="0" smtClean="0">
+                        <a:rPr lang="de-DE" sz="1800" dirty="0">
                           <a:latin typeface="+mn-lt"/>
                         </a:rPr>
-                        <a:t>350</a:t>
+                        <a:t>350 €</a:t>
                       </a:r>
-                      <a:r>
-                        <a:rPr lang="de-DE" sz="1800" dirty="0" smtClean="0">
-                          <a:latin typeface="+mn-lt"/>
-                        </a:rPr>
-                        <a:t> €</a:t>
-                      </a:r>
-                      <a:endParaRPr lang="de-DE" sz="1800" dirty="0">
-                        <a:latin typeface="+mn-lt"/>
-                      </a:endParaRPr>
                     </a:p>
                   </a:txBody>
                   <a:tcPr>
@@ -6191,14 +6089,11 @@
                     <a:lstStyle/>
                     <a:p>
                       <a:r>
-                        <a:rPr lang="de-DE" sz="1800" dirty="0" smtClean="0">
+                        <a:rPr lang="de-DE" sz="1800" dirty="0">
                           <a:latin typeface="+mn-lt"/>
                         </a:rPr>
                         <a:t>6</a:t>
                       </a:r>
-                      <a:endParaRPr lang="de-DE" sz="1800" dirty="0">
-                        <a:latin typeface="+mn-lt"/>
-                      </a:endParaRPr>
                     </a:p>
                   </a:txBody>
                   <a:tcPr>
@@ -6219,14 +6114,11 @@
                     <a:lstStyle/>
                     <a:p>
                       <a:r>
-                        <a:rPr lang="de-DE" sz="1800" dirty="0" smtClean="0">
+                        <a:rPr lang="de-DE" sz="1800" dirty="0">
                           <a:latin typeface="+mn-lt"/>
                         </a:rPr>
                         <a:t>20</a:t>
                       </a:r>
-                      <a:endParaRPr lang="de-DE" sz="1800" dirty="0">
-                        <a:latin typeface="+mn-lt"/>
-                      </a:endParaRPr>
                     </a:p>
                   </a:txBody>
                   <a:tcPr>
@@ -6247,14 +6139,11 @@
                     <a:lstStyle/>
                     <a:p>
                       <a:r>
-                        <a:rPr lang="de-DE" sz="1800" dirty="0" smtClean="0">
+                        <a:rPr lang="de-DE" sz="1800" dirty="0">
                           <a:latin typeface="+mn-lt"/>
                         </a:rPr>
                         <a:t>42000 €</a:t>
                       </a:r>
-                      <a:endParaRPr lang="de-DE" sz="1800" dirty="0">
-                        <a:latin typeface="+mn-lt"/>
-                      </a:endParaRPr>
                     </a:p>
                   </a:txBody>
                   <a:tcPr>
@@ -6269,6 +6158,11 @@
                     </a:lnB>
                   </a:tcPr>
                 </a:tc>
+                <a:extLst>
+                  <a:ext uri="{0D108BD9-81ED-4DB2-BD59-A6C34878D82A}">
+                    <a16:rowId xmlns:a16="http://schemas.microsoft.com/office/drawing/2014/main" val="10008"/>
+                  </a:ext>
+                </a:extLst>
               </a:tr>
               <a:tr h="370840">
                 <a:tc>
@@ -6294,7 +6188,7 @@
                         <a:defRPr/>
                       </a:pPr>
                       <a:r>
-                        <a:rPr lang="en-GB" sz="1800" b="0" i="0" u="none" strike="noStrike" kern="1200" dirty="0" err="1" smtClean="0">
+                        <a:rPr lang="en-GB" sz="1800" b="0" i="0" u="none" strike="noStrike" kern="1200" dirty="0" err="1">
                           <a:ln>
                             <a:noFill/>
                           </a:ln>
@@ -6305,7 +6199,7 @@
                         <a:t>Virtuelle</a:t>
                       </a:r>
                       <a:r>
-                        <a:rPr lang="en-GB" sz="1800" b="0" i="0" u="none" strike="noStrike" kern="1200" dirty="0" smtClean="0">
+                        <a:rPr lang="en-GB" sz="1800" b="0" i="0" u="none" strike="noStrike" kern="1200" dirty="0">
                           <a:ln>
                             <a:noFill/>
                           </a:ln>
@@ -6316,7 +6210,7 @@
                         <a:t> </a:t>
                       </a:r>
                       <a:r>
-                        <a:rPr lang="en-GB" sz="1800" b="0" i="0" u="none" strike="noStrike" kern="1200" dirty="0" err="1" smtClean="0">
+                        <a:rPr lang="en-GB" sz="1800" b="0" i="0" u="none" strike="noStrike" kern="1200" dirty="0" err="1">
                           <a:ln>
                             <a:noFill/>
                           </a:ln>
@@ -6327,7 +6221,7 @@
                         <a:t>Trainingswelt</a:t>
                       </a:r>
                       <a:r>
-                        <a:rPr lang="en-GB" sz="1800" b="0" i="0" u="none" strike="noStrike" kern="1200" dirty="0" smtClean="0">
+                        <a:rPr lang="en-GB" sz="1800" b="0" i="0" u="none" strike="noStrike" kern="1200" dirty="0">
                           <a:ln>
                             <a:noFill/>
                           </a:ln>
@@ -6338,7 +6232,7 @@
                         <a:t> </a:t>
                       </a:r>
                       <a:r>
-                        <a:rPr lang="en-GB" sz="1800" b="0" i="0" u="none" strike="noStrike" kern="1200" dirty="0" err="1" smtClean="0">
+                        <a:rPr lang="en-GB" sz="1800" b="0" i="0" u="none" strike="noStrike" kern="1200" dirty="0" err="1">
                           <a:ln>
                             <a:noFill/>
                           </a:ln>
@@ -6348,7 +6242,7 @@
                         </a:rPr>
                         <a:t>gesamt</a:t>
                       </a:r>
-                      <a:endParaRPr lang="en-GB" sz="1800" b="0" i="0" u="none" strike="noStrike" kern="1200" dirty="0" smtClean="0">
+                      <a:endParaRPr lang="en-GB" sz="1800" b="0" i="0" u="none" strike="noStrike" kern="1200" dirty="0">
                         <a:ln>
                           <a:noFill/>
                         </a:ln>
@@ -6486,19 +6380,19 @@
                     <a:bodyPr/>
                     <a:lstStyle/>
                     <a:p>
-                      <a:endParaRPr lang="de-DE" sz="1800" b="0" dirty="0" smtClean="0">
+                      <a:endParaRPr lang="de-DE" sz="1800" b="0" dirty="0">
                         <a:latin typeface="+mn-lt"/>
                       </a:endParaRPr>
                     </a:p>
                     <a:p>
                       <a:r>
-                        <a:rPr lang="de-DE" sz="1800" b="0" dirty="0" smtClean="0">
+                        <a:rPr lang="de-DE" sz="1800" b="0" dirty="0">
                           <a:latin typeface="+mn-lt"/>
                         </a:rPr>
                         <a:t>464000</a:t>
                       </a:r>
                       <a:r>
-                        <a:rPr lang="de-DE" sz="1800" b="0" baseline="0" dirty="0" smtClean="0">
+                        <a:rPr lang="de-DE" sz="1800" b="0" baseline="0" dirty="0">
                           <a:latin typeface="+mn-lt"/>
                         </a:rPr>
                         <a:t> €</a:t>
@@ -6538,6 +6432,11 @@
                     </a:lnB>
                   </a:tcPr>
                 </a:tc>
+                <a:extLst>
+                  <a:ext uri="{0D108BD9-81ED-4DB2-BD59-A6C34878D82A}">
+                    <a16:rowId xmlns:a16="http://schemas.microsoft.com/office/drawing/2014/main" val="10009"/>
+                  </a:ext>
+                </a:extLst>
               </a:tr>
             </a:tbl>
           </a:graphicData>
@@ -6589,10 +6488,9 @@
           <a:lstStyle/>
           <a:p>
             <a:r>
-              <a:rPr lang="de-DE" dirty="0" smtClean="0"/>
+              <a:rPr lang="de-DE" dirty="0"/>
               <a:t>Ausblick</a:t>
             </a:r>
-            <a:endParaRPr lang="de-DE" dirty="0"/>
           </a:p>
         </p:txBody>
       </p:sp>
@@ -6613,55 +6511,55 @@
           <a:p>
             <a:pPr lvl="1"/>
             <a:r>
-              <a:rPr lang="en-GB" sz="2400" dirty="0" err="1" smtClean="0"/>
+              <a:rPr lang="en-GB" sz="2400" dirty="0" err="1"/>
               <a:t>Serverkosten</a:t>
             </a:r>
-            <a:endParaRPr lang="en-GB" sz="2400" dirty="0" smtClean="0"/>
+            <a:endParaRPr lang="en-GB" sz="2400" dirty="0"/>
           </a:p>
           <a:p>
             <a:pPr lvl="1"/>
             <a:r>
-              <a:rPr lang="en-GB" sz="2400" dirty="0" err="1" smtClean="0"/>
+              <a:rPr lang="en-GB" sz="2400" dirty="0" err="1"/>
               <a:t>Gute</a:t>
             </a:r>
             <a:r>
-              <a:rPr lang="en-GB" sz="2400" dirty="0" smtClean="0"/>
+              <a:rPr lang="en-GB" sz="2400" dirty="0"/>
               <a:t> </a:t>
             </a:r>
             <a:r>
-              <a:rPr lang="en-GB" sz="2400" dirty="0" err="1" smtClean="0"/>
+              <a:rPr lang="en-GB" sz="2400" dirty="0" err="1"/>
               <a:t>Erweiterbarkeit</a:t>
             </a:r>
-            <a:endParaRPr lang="en-GB" sz="2400" dirty="0" smtClean="0"/>
+            <a:endParaRPr lang="en-GB" sz="2400" dirty="0"/>
           </a:p>
           <a:p>
             <a:pPr lvl="1"/>
             <a:r>
-              <a:rPr lang="en-GB" sz="2400" dirty="0" err="1" smtClean="0"/>
+              <a:rPr lang="en-GB" sz="2400" dirty="0" err="1"/>
               <a:t>Übersetzung</a:t>
             </a:r>
             <a:r>
-              <a:rPr lang="en-GB" sz="2400" dirty="0" smtClean="0"/>
+              <a:rPr lang="en-GB" sz="2400" dirty="0"/>
               <a:t> in </a:t>
             </a:r>
             <a:r>
-              <a:rPr lang="en-GB" sz="2400" dirty="0" err="1" smtClean="0"/>
+              <a:rPr lang="en-GB" sz="2400" dirty="0" err="1"/>
               <a:t>andere</a:t>
             </a:r>
             <a:r>
-              <a:rPr lang="en-GB" sz="2400" dirty="0" smtClean="0"/>
+              <a:rPr lang="en-GB" sz="2400" dirty="0"/>
               <a:t> </a:t>
             </a:r>
             <a:r>
-              <a:rPr lang="en-GB" sz="2400" dirty="0" err="1" smtClean="0"/>
+              <a:rPr lang="en-GB" sz="2400" dirty="0" err="1"/>
               <a:t>Sprachen</a:t>
             </a:r>
             <a:r>
-              <a:rPr lang="en-GB" sz="2400" dirty="0" smtClean="0"/>
+              <a:rPr lang="en-GB" sz="2400" dirty="0"/>
               <a:t> </a:t>
             </a:r>
             <a:r>
-              <a:rPr lang="en-GB" sz="2400" dirty="0" err="1" smtClean="0"/>
+              <a:rPr lang="en-GB" sz="2400" dirty="0" err="1"/>
               <a:t>möglich</a:t>
             </a:r>
             <a:endParaRPr lang="de-DE" dirty="0"/>

--- a/Polygon Workshop End.pptx
+++ b/Polygon Workshop End.pptx
@@ -365,7 +365,7 @@
           <a:p>
             <a:fld id="{655F968B-BD59-4CD7-97F4-315844A6ACFD}" type="slidenum">
               <a:rPr lang="de-DE" smtClean="0"/>
-              <a:t>‹#›</a:t>
+              <a:t>‹Nr.›</a:t>
             </a:fld>
             <a:endParaRPr lang="de-DE"/>
           </a:p>
@@ -668,7 +668,7 @@
           <a:p>
             <a:fld id="{4FAB73BC-B049-4115-A692-8D63A059BFB8}" type="slidenum">
               <a:rPr lang="en-US" dirty="0"/>
-              <a:t>‹#›</a:t>
+              <a:t>‹Nr.›</a:t>
             </a:fld>
             <a:endParaRPr lang="en-US" dirty="0"/>
           </a:p>
@@ -906,7 +906,7 @@
           <a:p>
             <a:fld id="{4FAB73BC-B049-4115-A692-8D63A059BFB8}" type="slidenum">
               <a:rPr lang="en-US" dirty="0"/>
-              <a:t>‹#›</a:t>
+              <a:t>‹Nr.›</a:t>
             </a:fld>
             <a:endParaRPr lang="en-US" dirty="0"/>
           </a:p>
@@ -1081,7 +1081,7 @@
           <a:p>
             <a:fld id="{4FAB73BC-B049-4115-A692-8D63A059BFB8}" type="slidenum">
               <a:rPr lang="en-US" dirty="0"/>
-              <a:t>‹#›</a:t>
+              <a:t>‹Nr.›</a:t>
             </a:fld>
             <a:endParaRPr lang="en-US" dirty="0"/>
           </a:p>
@@ -1281,7 +1281,7 @@
           <a:p>
             <a:fld id="{4FAB73BC-B049-4115-A692-8D63A059BFB8}" type="slidenum">
               <a:rPr lang="en-US" dirty="0"/>
-              <a:t>‹#›</a:t>
+              <a:t>‹Nr.›</a:t>
             </a:fld>
             <a:endParaRPr lang="en-US" dirty="0"/>
           </a:p>
@@ -1533,7 +1533,7 @@
           <a:p>
             <a:fld id="{4FAB73BC-B049-4115-A692-8D63A059BFB8}" type="slidenum">
               <a:rPr lang="en-US" dirty="0"/>
-              <a:t>‹#›</a:t>
+              <a:t>‹Nr.›</a:t>
             </a:fld>
             <a:endParaRPr lang="en-US" dirty="0"/>
           </a:p>
@@ -1875,7 +1875,7 @@
           <a:p>
             <a:fld id="{4FAB73BC-B049-4115-A692-8D63A059BFB8}" type="slidenum">
               <a:rPr lang="en-US" dirty="0"/>
-              <a:t>‹#›</a:t>
+              <a:t>‹Nr.›</a:t>
             </a:fld>
             <a:endParaRPr lang="en-US" dirty="0"/>
           </a:p>
@@ -2272,7 +2272,7 @@
           <a:p>
             <a:fld id="{4FAB73BC-B049-4115-A692-8D63A059BFB8}" type="slidenum">
               <a:rPr lang="en-US" dirty="0"/>
-              <a:t>‹#›</a:t>
+              <a:t>‹Nr.›</a:t>
             </a:fld>
             <a:endParaRPr lang="en-US" dirty="0"/>
           </a:p>
@@ -2385,7 +2385,7 @@
           <a:p>
             <a:fld id="{4FAB73BC-B049-4115-A692-8D63A059BFB8}" type="slidenum">
               <a:rPr lang="en-US" dirty="0"/>
-              <a:t>‹#›</a:t>
+              <a:t>‹Nr.›</a:t>
             </a:fld>
             <a:endParaRPr lang="en-US" dirty="0"/>
           </a:p>
@@ -2475,7 +2475,7 @@
           <a:p>
             <a:fld id="{4FAB73BC-B049-4115-A692-8D63A059BFB8}" type="slidenum">
               <a:rPr lang="en-US" dirty="0"/>
-              <a:t>‹#›</a:t>
+              <a:t>‹Nr.›</a:t>
             </a:fld>
             <a:endParaRPr lang="en-US" dirty="0"/>
           </a:p>
@@ -2760,7 +2760,7 @@
           <a:p>
             <a:fld id="{4FAB73BC-B049-4115-A692-8D63A059BFB8}" type="slidenum">
               <a:rPr lang="en-US" dirty="0"/>
-              <a:t>‹#›</a:t>
+              <a:t>‹Nr.›</a:t>
             </a:fld>
             <a:endParaRPr lang="en-US" dirty="0"/>
           </a:p>
@@ -3035,7 +3035,7 @@
           <a:p>
             <a:fld id="{867E5644-1E61-4311-A31E-84CB9C7AA8A9}" type="slidenum">
               <a:rPr lang="en-US" dirty="0"/>
-              <a:t>‹#›</a:t>
+              <a:t>‹Nr.›</a:t>
             </a:fld>
             <a:endParaRPr lang="en-US" dirty="0"/>
           </a:p>
@@ -3322,7 +3322,7 @@
             <a:fld id="{4FAB73BC-B049-4115-A692-8D63A059BFB8}" type="slidenum">
               <a:rPr lang="en-US" dirty="0"/>
               <a:pPr/>
-              <a:t>‹#›</a:t>
+              <a:t>‹Nr.›</a:t>
             </a:fld>
             <a:endParaRPr lang="en-US" dirty="0"/>
           </a:p>
@@ -3753,10 +3753,14 @@
           <a:lstStyle/>
           <a:p>
             <a:r>
-              <a:rPr lang="en-US" dirty="0"/>
+              <a:rPr lang="en-US" dirty="0">
+                <a:latin typeface="Poor Richard" panose="02080502050505020702" pitchFamily="18" charset="0"/>
+              </a:rPr>
               <a:t>Polygon Workshop</a:t>
             </a:r>
-            <a:endParaRPr lang="de-DE" dirty="0"/>
+            <a:endParaRPr lang="de-DE" dirty="0">
+              <a:latin typeface="Poor Richard" panose="02080502050505020702" pitchFamily="18" charset="0"/>
+            </a:endParaRPr>
           </a:p>
         </p:txBody>
       </p:sp>
@@ -4095,70 +4099,196 @@
       </p:sp>
       <p:sp>
         <p:nvSpPr>
-          <p:cNvPr id="3" name="Inhaltsplatzhalter 2"/>
-          <p:cNvSpPr>
-            <a:spLocks noGrp="1"/>
-          </p:cNvSpPr>
-          <p:nvPr>
-            <p:ph idx="1"/>
-          </p:nvPr>
-        </p:nvSpPr>
-        <p:spPr/>
-        <p:txBody>
-          <a:bodyPr/>
+          <p:cNvPr id="4" name="Regular Pentagon 3"/>
+          <p:cNvSpPr/>
+          <p:nvPr/>
+        </p:nvSpPr>
+        <p:spPr>
+          <a:xfrm rot="2357701">
+            <a:off x="7468039" y="1375218"/>
+            <a:ext cx="2734962" cy="2685535"/>
+          </a:xfrm>
+          <a:prstGeom prst="pentagon">
+            <a:avLst/>
+          </a:prstGeom>
+        </p:spPr>
+        <p:style>
+          <a:lnRef idx="0">
+            <a:schemeClr val="dk1"/>
+          </a:lnRef>
+          <a:fillRef idx="3">
+            <a:schemeClr val="dk1"/>
+          </a:fillRef>
+          <a:effectRef idx="3">
+            <a:schemeClr val="dk1"/>
+          </a:effectRef>
+          <a:fontRef idx="minor">
+            <a:schemeClr val="lt1"/>
+          </a:fontRef>
+        </p:style>
+        <p:txBody>
+          <a:bodyPr rtlCol="0" anchor="ctr"/>
           <a:lstStyle/>
           <a:p>
-            <a:pPr lvl="1"/>
-            <a:r>
-              <a:rPr lang="en-US" sz="2400" dirty="0" err="1"/>
+            <a:pPr algn="ctr"/>
+            <a:endParaRPr lang="de-DE"/>
+          </a:p>
+        </p:txBody>
+      </p:sp>
+      <p:sp>
+        <p:nvSpPr>
+          <p:cNvPr id="5" name="Title 1"/>
+          <p:cNvSpPr txBox="1">
+            <a:spLocks/>
+          </p:cNvSpPr>
+          <p:nvPr/>
+        </p:nvSpPr>
+        <p:spPr>
+          <a:xfrm>
+            <a:off x="6344012" y="4397692"/>
+            <a:ext cx="4983015" cy="906126"/>
+          </a:xfrm>
+          <a:prstGeom prst="rect">
+            <a:avLst/>
+          </a:prstGeom>
+        </p:spPr>
+        <p:txBody>
+          <a:bodyPr vert="horz" lIns="91440" tIns="45720" rIns="91440" bIns="45720" rtlCol="0" anchor="ctr">
+            <a:normAutofit/>
+          </a:bodyPr>
+          <a:lstStyle>
+            <a:lvl1pPr algn="l" defTabSz="914400" rtl="0" eaLnBrk="1" latinLnBrk="0" hangingPunct="1">
+              <a:lnSpc>
+                <a:spcPct val="80000"/>
+              </a:lnSpc>
+              <a:spcBef>
+                <a:spcPct val="0"/>
+              </a:spcBef>
+              <a:buNone/>
+              <a:defRPr sz="5000" kern="1200" cap="all" spc="100" baseline="0">
+                <a:solidFill>
+                  <a:schemeClr val="tx1">
+                    <a:lumMod val="95000"/>
+                    <a:lumOff val="5000"/>
+                  </a:schemeClr>
+                </a:solidFill>
+                <a:latin typeface="+mj-lt"/>
+                <a:ea typeface="+mj-ea"/>
+                <a:cs typeface="+mj-cs"/>
+              </a:defRPr>
+            </a:lvl1pPr>
+          </a:lstStyle>
+          <a:p>
+            <a:r>
+              <a:rPr lang="en-US" sz="3600" dirty="0">
+                <a:latin typeface="Poor Richard" panose="02080502050505020702" pitchFamily="18" charset="0"/>
+              </a:rPr>
+              <a:t>Polygon Workshop</a:t>
+            </a:r>
+            <a:endParaRPr lang="de-DE" sz="3600" dirty="0">
+              <a:latin typeface="Poor Richard" panose="02080502050505020702" pitchFamily="18" charset="0"/>
+            </a:endParaRPr>
+          </a:p>
+        </p:txBody>
+      </p:sp>
+      <p:sp>
+        <p:nvSpPr>
+          <p:cNvPr id="6" name="Textfeld 5"/>
+          <p:cNvSpPr txBox="1"/>
+          <p:nvPr/>
+        </p:nvSpPr>
+        <p:spPr>
+          <a:xfrm>
+            <a:off x="812800" y="2084832"/>
+            <a:ext cx="5375564" cy="3139321"/>
+          </a:xfrm>
+          <a:prstGeom prst="rect">
+            <a:avLst/>
+          </a:prstGeom>
+          <a:noFill/>
+        </p:spPr>
+        <p:txBody>
+          <a:bodyPr wrap="square" rtlCol="0">
+            <a:spAutoFit/>
+          </a:bodyPr>
+          <a:lstStyle/>
+          <a:p>
+            <a:r>
+              <a:rPr lang="de-DE" sz="2400" dirty="0" err="1"/>
+              <a:t>Domenik</a:t>
+            </a:r>
+            <a:r>
+              <a:rPr lang="de-DE" sz="2400" dirty="0"/>
+              <a:t> Popfinger </a:t>
+            </a:r>
+            <a:r>
+              <a:rPr lang="de-DE" dirty="0"/>
               <a:t>Direktor</a:t>
             </a:r>
-            <a:endParaRPr lang="en-US" sz="2400" dirty="0"/>
-          </a:p>
-          <a:p>
-            <a:pPr lvl="1"/>
-            <a:r>
-              <a:rPr lang="en-US" sz="2400" dirty="0"/>
+            <a:endParaRPr lang="de-DE" sz="2400" dirty="0"/>
+          </a:p>
+          <a:p>
+            <a:endParaRPr lang="de-DE" sz="2400" dirty="0"/>
+          </a:p>
+          <a:p>
+            <a:r>
+              <a:rPr lang="de-DE" sz="2400" dirty="0"/>
+              <a:t>Manuel Neuberger </a:t>
+            </a:r>
+            <a:r>
+              <a:rPr lang="de-DE" dirty="0"/>
               <a:t>Manager</a:t>
             </a:r>
           </a:p>
           <a:p>
-            <a:pPr lvl="1"/>
-            <a:r>
-              <a:rPr lang="en-US" sz="2400" dirty="0" err="1"/>
+            <a:endParaRPr lang="de-DE" dirty="0"/>
+          </a:p>
+          <a:p>
+            <a:r>
+              <a:rPr lang="de-DE" sz="2400" dirty="0"/>
+              <a:t>Johann Bernhard </a:t>
+            </a:r>
+            <a:r>
+              <a:rPr lang="de-DE" dirty="0" err="1"/>
               <a:t>Didaktikexperte</a:t>
             </a:r>
-            <a:endParaRPr lang="en-US" sz="2400" dirty="0"/>
-          </a:p>
-          <a:p>
-            <a:pPr lvl="1"/>
-            <a:r>
-              <a:rPr lang="en-US" sz="2400" dirty="0" err="1"/>
-              <a:t>Hotelexperte</a:t>
-            </a:r>
-            <a:endParaRPr lang="en-US" sz="2400" dirty="0"/>
-          </a:p>
-          <a:p>
-            <a:pPr lvl="1"/>
-            <a:r>
-              <a:rPr lang="en-US" sz="2400" dirty="0"/>
-              <a:t>Designer</a:t>
-            </a:r>
-          </a:p>
-          <a:p>
-            <a:pPr lvl="1"/>
-            <a:r>
-              <a:rPr lang="en-US" sz="2400" dirty="0" err="1"/>
-              <a:t>Programmierer</a:t>
-            </a:r>
-            <a:endParaRPr lang="en-US" sz="2400" dirty="0"/>
-          </a:p>
-          <a:p>
-            <a:pPr lvl="1"/>
-            <a:r>
-              <a:rPr lang="en-US" sz="2400" dirty="0"/>
-              <a:t>Artists</a:t>
-            </a:r>
+            <a:endParaRPr lang="de-DE" dirty="0"/>
+          </a:p>
+          <a:p>
+            <a:endParaRPr lang="de-DE" dirty="0"/>
+          </a:p>
+          <a:p>
+            <a:r>
+              <a:rPr lang="de-DE" sz="2400" dirty="0"/>
+              <a:t>Jean-Luc </a:t>
+            </a:r>
+            <a:r>
+              <a:rPr lang="de-DE" sz="2400" dirty="0" err="1"/>
+              <a:t>Etgen</a:t>
+            </a:r>
+            <a:r>
+              <a:rPr lang="de-DE" sz="2400" dirty="0"/>
+              <a:t> </a:t>
+            </a:r>
+            <a:r>
+              <a:rPr lang="de-DE" dirty="0" err="1"/>
+              <a:t>Systemprogrammer</a:t>
+            </a:r>
+            <a:endParaRPr lang="de-DE" dirty="0"/>
+          </a:p>
+          <a:p>
+            <a:endParaRPr lang="de-DE" dirty="0"/>
+          </a:p>
+          <a:p>
+            <a:r>
+              <a:rPr lang="de-DE" sz="2400" dirty="0"/>
+              <a:t>Sofia Lampe </a:t>
+            </a:r>
+            <a:r>
+              <a:rPr lang="de-DE" dirty="0"/>
+              <a:t>Game Designer</a:t>
+            </a:r>
+            <a:endParaRPr lang="de-DE" sz="2400" dirty="0"/>
           </a:p>
         </p:txBody>
       </p:sp>
@@ -4224,7 +4354,12 @@
             <p:ph idx="1"/>
           </p:nvPr>
         </p:nvSpPr>
-        <p:spPr/>
+        <p:spPr>
+          <a:xfrm>
+            <a:off x="1024128" y="2286000"/>
+            <a:ext cx="6347633" cy="4023360"/>
+          </a:xfrm>
+        </p:spPr>
         <p:txBody>
           <a:bodyPr/>
           <a:lstStyle/>
@@ -4336,6 +4471,30 @@
           </a:p>
         </p:txBody>
       </p:sp>
+      <p:pic>
+        <p:nvPicPr>
+          <p:cNvPr id="5" name="Grafik 4"/>
+          <p:cNvPicPr>
+            <a:picLocks noChangeAspect="1"/>
+          </p:cNvPicPr>
+          <p:nvPr/>
+        </p:nvPicPr>
+        <p:blipFill>
+          <a:blip r:embed="rId2"/>
+          <a:stretch>
+            <a:fillRect/>
+          </a:stretch>
+        </p:blipFill>
+        <p:spPr>
+          <a:xfrm>
+            <a:off x="6888217" y="2084832"/>
+            <a:ext cx="4914933" cy="3276622"/>
+          </a:xfrm>
+          <a:prstGeom prst="rect">
+            <a:avLst/>
+          </a:prstGeom>
+        </p:spPr>
+      </p:pic>
     </p:spTree>
     <p:extLst>
       <p:ext uri="{BB962C8B-B14F-4D97-AF65-F5344CB8AC3E}">
@@ -4573,6 +4732,30 @@
           </a:p>
         </p:txBody>
       </p:sp>
+      <p:pic>
+        <p:nvPicPr>
+          <p:cNvPr id="4" name="Grafik 3"/>
+          <p:cNvPicPr>
+            <a:picLocks noChangeAspect="1"/>
+          </p:cNvPicPr>
+          <p:nvPr/>
+        </p:nvPicPr>
+        <p:blipFill>
+          <a:blip r:embed="rId2"/>
+          <a:stretch>
+            <a:fillRect/>
+          </a:stretch>
+        </p:blipFill>
+        <p:spPr>
+          <a:xfrm>
+            <a:off x="6826469" y="2084832"/>
+            <a:ext cx="5140444" cy="2893444"/>
+          </a:xfrm>
+          <a:prstGeom prst="rect">
+            <a:avLst/>
+          </a:prstGeom>
+        </p:spPr>
+      </p:pic>
     </p:spTree>
     <p:extLst>
       <p:ext uri="{BB962C8B-B14F-4D97-AF65-F5344CB8AC3E}">
@@ -6514,7 +6697,34 @@
               <a:rPr lang="en-GB" sz="2400" dirty="0" err="1"/>
               <a:t>Serverkosten</a:t>
             </a:r>
-            <a:endParaRPr lang="en-GB" sz="2400" dirty="0"/>
+            <a:r>
+              <a:rPr lang="en-GB" sz="2400" dirty="0"/>
+              <a:t> (</a:t>
+            </a:r>
+            <a:r>
+              <a:rPr lang="en-GB" sz="2400" dirty="0" err="1"/>
+              <a:t>mit</a:t>
+            </a:r>
+            <a:r>
+              <a:rPr lang="en-GB" sz="2400" dirty="0"/>
+              <a:t> </a:t>
+            </a:r>
+            <a:r>
+              <a:rPr lang="en-GB" sz="2400" dirty="0" err="1"/>
+              <a:t>Wartung</a:t>
+            </a:r>
+            <a:r>
+              <a:rPr lang="en-GB" sz="2400" dirty="0"/>
+              <a:t> ca. 1700€ </a:t>
+            </a:r>
+            <a:r>
+              <a:rPr lang="en-GB" sz="2400" dirty="0" err="1"/>
+              <a:t>im</a:t>
+            </a:r>
+            <a:r>
+              <a:rPr lang="en-GB" sz="2400" dirty="0"/>
+              <a:t> Monat)</a:t>
+            </a:r>
           </a:p>
           <a:p>
             <a:pPr lvl="1"/>
@@ -6535,32 +6745,12 @@
           <a:p>
             <a:pPr lvl="1"/>
             <a:r>
+              <a:rPr lang="en-GB" sz="2400" dirty="0"/>
+              <a:t>Deployment </a:t>
+            </a:r>
+            <a:r>
               <a:rPr lang="en-GB" sz="2400" dirty="0" err="1"/>
-              <a:t>Übersetzung</a:t>
-            </a:r>
-            <a:r>
-              <a:rPr lang="en-GB" sz="2400" dirty="0"/>
-              <a:t> in </a:t>
-            </a:r>
-            <a:r>
-              <a:rPr lang="en-GB" sz="2400" dirty="0" err="1"/>
-              <a:t>andere</a:t>
-            </a:r>
-            <a:r>
-              <a:rPr lang="en-GB" sz="2400" dirty="0"/>
-              <a:t> </a:t>
-            </a:r>
-            <a:r>
-              <a:rPr lang="en-GB" sz="2400" dirty="0" err="1"/>
-              <a:t>Sprachen</a:t>
-            </a:r>
-            <a:r>
-              <a:rPr lang="en-GB" sz="2400" dirty="0"/>
-              <a:t> </a:t>
-            </a:r>
-            <a:r>
-              <a:rPr lang="en-GB" sz="2400" dirty="0" err="1"/>
-              <a:t>möglich</a:t>
+              <a:t>weltweit</a:t>
             </a:r>
             <a:endParaRPr lang="de-DE" dirty="0"/>
           </a:p>

--- a/Polygon Workshop End.pptx
+++ b/Polygon Workshop End.pptx
@@ -5,7 +5,7 @@
     <p:sldMasterId id="2147483648" r:id="rId1"/>
   </p:sldMasterIdLst>
   <p:notesMasterIdLst>
-    <p:notesMasterId r:id="rId12"/>
+    <p:notesMasterId r:id="rId13"/>
   </p:notesMasterIdLst>
   <p:sldIdLst>
     <p:sldId id="256" r:id="rId2"/>
@@ -16,8 +16,9 @@
     <p:sldId id="264" r:id="rId7"/>
     <p:sldId id="268" r:id="rId8"/>
     <p:sldId id="265" r:id="rId9"/>
-    <p:sldId id="266" r:id="rId10"/>
-    <p:sldId id="267" r:id="rId11"/>
+    <p:sldId id="269" r:id="rId10"/>
+    <p:sldId id="266" r:id="rId11"/>
+    <p:sldId id="267" r:id="rId12"/>
   </p:sldIdLst>
   <p:sldSz cx="12192000" cy="6858000"/>
   <p:notesSz cx="6858000" cy="9144000"/>
@@ -365,7 +366,7 @@
           <a:p>
             <a:fld id="{655F968B-BD59-4CD7-97F4-315844A6ACFD}" type="slidenum">
               <a:rPr lang="de-DE" smtClean="0"/>
-              <a:t>‹Nr.›</a:t>
+              <a:t>‹#›</a:t>
             </a:fld>
             <a:endParaRPr lang="de-DE"/>
           </a:p>
@@ -668,7 +669,7 @@
           <a:p>
             <a:fld id="{4FAB73BC-B049-4115-A692-8D63A059BFB8}" type="slidenum">
               <a:rPr lang="en-US" dirty="0"/>
-              <a:t>‹Nr.›</a:t>
+              <a:t>‹#›</a:t>
             </a:fld>
             <a:endParaRPr lang="en-US" dirty="0"/>
           </a:p>
@@ -906,7 +907,7 @@
           <a:p>
             <a:fld id="{4FAB73BC-B049-4115-A692-8D63A059BFB8}" type="slidenum">
               <a:rPr lang="en-US" dirty="0"/>
-              <a:t>‹Nr.›</a:t>
+              <a:t>‹#›</a:t>
             </a:fld>
             <a:endParaRPr lang="en-US" dirty="0"/>
           </a:p>
@@ -1081,7 +1082,7 @@
           <a:p>
             <a:fld id="{4FAB73BC-B049-4115-A692-8D63A059BFB8}" type="slidenum">
               <a:rPr lang="en-US" dirty="0"/>
-              <a:t>‹Nr.›</a:t>
+              <a:t>‹#›</a:t>
             </a:fld>
             <a:endParaRPr lang="en-US" dirty="0"/>
           </a:p>
@@ -1281,7 +1282,7 @@
           <a:p>
             <a:fld id="{4FAB73BC-B049-4115-A692-8D63A059BFB8}" type="slidenum">
               <a:rPr lang="en-US" dirty="0"/>
-              <a:t>‹Nr.›</a:t>
+              <a:t>‹#›</a:t>
             </a:fld>
             <a:endParaRPr lang="en-US" dirty="0"/>
           </a:p>
@@ -1533,7 +1534,7 @@
           <a:p>
             <a:fld id="{4FAB73BC-B049-4115-A692-8D63A059BFB8}" type="slidenum">
               <a:rPr lang="en-US" dirty="0"/>
-              <a:t>‹Nr.›</a:t>
+              <a:t>‹#›</a:t>
             </a:fld>
             <a:endParaRPr lang="en-US" dirty="0"/>
           </a:p>
@@ -1875,7 +1876,7 @@
           <a:p>
             <a:fld id="{4FAB73BC-B049-4115-A692-8D63A059BFB8}" type="slidenum">
               <a:rPr lang="en-US" dirty="0"/>
-              <a:t>‹Nr.›</a:t>
+              <a:t>‹#›</a:t>
             </a:fld>
             <a:endParaRPr lang="en-US" dirty="0"/>
           </a:p>
@@ -2272,7 +2273,7 @@
           <a:p>
             <a:fld id="{4FAB73BC-B049-4115-A692-8D63A059BFB8}" type="slidenum">
               <a:rPr lang="en-US" dirty="0"/>
-              <a:t>‹Nr.›</a:t>
+              <a:t>‹#›</a:t>
             </a:fld>
             <a:endParaRPr lang="en-US" dirty="0"/>
           </a:p>
@@ -2385,7 +2386,7 @@
           <a:p>
             <a:fld id="{4FAB73BC-B049-4115-A692-8D63A059BFB8}" type="slidenum">
               <a:rPr lang="en-US" dirty="0"/>
-              <a:t>‹Nr.›</a:t>
+              <a:t>‹#›</a:t>
             </a:fld>
             <a:endParaRPr lang="en-US" dirty="0"/>
           </a:p>
@@ -2475,7 +2476,7 @@
           <a:p>
             <a:fld id="{4FAB73BC-B049-4115-A692-8D63A059BFB8}" type="slidenum">
               <a:rPr lang="en-US" dirty="0"/>
-              <a:t>‹Nr.›</a:t>
+              <a:t>‹#›</a:t>
             </a:fld>
             <a:endParaRPr lang="en-US" dirty="0"/>
           </a:p>
@@ -2760,7 +2761,7 @@
           <a:p>
             <a:fld id="{4FAB73BC-B049-4115-A692-8D63A059BFB8}" type="slidenum">
               <a:rPr lang="en-US" dirty="0"/>
-              <a:t>‹Nr.›</a:t>
+              <a:t>‹#›</a:t>
             </a:fld>
             <a:endParaRPr lang="en-US" dirty="0"/>
           </a:p>
@@ -3035,7 +3036,7 @@
           <a:p>
             <a:fld id="{867E5644-1E61-4311-A31E-84CB9C7AA8A9}" type="slidenum">
               <a:rPr lang="en-US" dirty="0"/>
-              <a:t>‹Nr.›</a:t>
+              <a:t>‹#›</a:t>
             </a:fld>
             <a:endParaRPr lang="en-US" dirty="0"/>
           </a:p>
@@ -3322,7 +3323,7 @@
             <a:fld id="{4FAB73BC-B049-4115-A692-8D63A059BFB8}" type="slidenum">
               <a:rPr lang="en-US" dirty="0"/>
               <a:pPr/>
-              <a:t>‹Nr.›</a:t>
+              <a:t>‹#›</a:t>
             </a:fld>
             <a:endParaRPr lang="en-US" dirty="0"/>
           </a:p>
@@ -3872,6 +3873,137 @@
           <a:p>
             <a:r>
               <a:rPr lang="de-DE" dirty="0"/>
+              <a:t>Ausblick</a:t>
+            </a:r>
+          </a:p>
+        </p:txBody>
+      </p:sp>
+      <p:sp>
+        <p:nvSpPr>
+          <p:cNvPr id="3" name="Inhaltsplatzhalter 2"/>
+          <p:cNvSpPr>
+            <a:spLocks noGrp="1"/>
+          </p:cNvSpPr>
+          <p:nvPr>
+            <p:ph idx="1"/>
+          </p:nvPr>
+        </p:nvSpPr>
+        <p:spPr/>
+        <p:txBody>
+          <a:bodyPr/>
+          <a:lstStyle/>
+          <a:p>
+            <a:pPr lvl="1"/>
+            <a:r>
+              <a:rPr lang="en-GB" sz="2400" dirty="0" err="1"/>
+              <a:t>Serverkosten</a:t>
+            </a:r>
+            <a:r>
+              <a:rPr lang="en-GB" sz="2400" dirty="0"/>
+              <a:t> (</a:t>
+            </a:r>
+            <a:r>
+              <a:rPr lang="en-GB" sz="2400" dirty="0" err="1"/>
+              <a:t>mit</a:t>
+            </a:r>
+            <a:r>
+              <a:rPr lang="en-GB" sz="2400" dirty="0"/>
+              <a:t> </a:t>
+            </a:r>
+            <a:r>
+              <a:rPr lang="en-GB" sz="2400" dirty="0" err="1"/>
+              <a:t>Wartung</a:t>
+            </a:r>
+            <a:r>
+              <a:rPr lang="en-GB" sz="2400" dirty="0"/>
+              <a:t> ca. 1700€ </a:t>
+            </a:r>
+            <a:r>
+              <a:rPr lang="en-GB" sz="2400" dirty="0" err="1"/>
+              <a:t>im</a:t>
+            </a:r>
+            <a:r>
+              <a:rPr lang="en-GB" sz="2400" dirty="0"/>
+              <a:t> Monat)</a:t>
+            </a:r>
+          </a:p>
+          <a:p>
+            <a:pPr lvl="1"/>
+            <a:r>
+              <a:rPr lang="en-GB" sz="2400" dirty="0" err="1"/>
+              <a:t>Gute</a:t>
+            </a:r>
+            <a:r>
+              <a:rPr lang="en-GB" sz="2400" dirty="0"/>
+              <a:t> </a:t>
+            </a:r>
+            <a:r>
+              <a:rPr lang="en-GB" sz="2400" dirty="0" err="1"/>
+              <a:t>Erweiterbarkeit</a:t>
+            </a:r>
+            <a:endParaRPr lang="en-GB" sz="2400" dirty="0"/>
+          </a:p>
+          <a:p>
+            <a:pPr lvl="1"/>
+            <a:r>
+              <a:rPr lang="en-GB" sz="2400" dirty="0"/>
+              <a:t>Deployment </a:t>
+            </a:r>
+            <a:r>
+              <a:rPr lang="en-GB" sz="2400" dirty="0" err="1"/>
+              <a:t>weltweit</a:t>
+            </a:r>
+            <a:endParaRPr lang="de-DE" dirty="0"/>
+          </a:p>
+        </p:txBody>
+      </p:sp>
+    </p:spTree>
+    <p:extLst>
+      <p:ext uri="{BB962C8B-B14F-4D97-AF65-F5344CB8AC3E}">
+        <p14:creationId xmlns:p14="http://schemas.microsoft.com/office/powerpoint/2010/main" val="241385723"/>
+      </p:ext>
+    </p:extLst>
+  </p:cSld>
+  <p:clrMapOvr>
+    <a:masterClrMapping/>
+  </p:clrMapOvr>
+</p:sld>
+</file>
+
+<file path=ppt/slides/slide11.xml><?xml version="1.0" encoding="utf-8"?>
+<p:sld xmlns:a="http://schemas.openxmlformats.org/drawingml/2006/main" xmlns:r="http://schemas.openxmlformats.org/officeDocument/2006/relationships" xmlns:p="http://schemas.openxmlformats.org/presentationml/2006/main">
+  <p:cSld>
+    <p:spTree>
+      <p:nvGrpSpPr>
+        <p:cNvPr id="1" name=""/>
+        <p:cNvGrpSpPr/>
+        <p:nvPr/>
+      </p:nvGrpSpPr>
+      <p:grpSpPr>
+        <a:xfrm>
+          <a:off x="0" y="0"/>
+          <a:ext cx="0" cy="0"/>
+          <a:chOff x="0" y="0"/>
+          <a:chExt cx="0" cy="0"/>
+        </a:xfrm>
+      </p:grpSpPr>
+      <p:sp>
+        <p:nvSpPr>
+          <p:cNvPr id="2" name="Titel 1"/>
+          <p:cNvSpPr>
+            <a:spLocks noGrp="1"/>
+          </p:cNvSpPr>
+          <p:nvPr>
+            <p:ph type="title"/>
+          </p:nvPr>
+        </p:nvSpPr>
+        <p:spPr/>
+        <p:txBody>
+          <a:bodyPr/>
+          <a:lstStyle/>
+          <a:p>
+            <a:r>
+              <a:rPr lang="de-DE" dirty="0"/>
               <a:t>Prototyp</a:t>
             </a:r>
           </a:p>
@@ -4214,12 +4346,8 @@
           <a:lstStyle/>
           <a:p>
             <a:r>
-              <a:rPr lang="de-DE" sz="2400" dirty="0" err="1"/>
-              <a:t>Domenik</a:t>
-            </a:r>
-            <a:r>
               <a:rPr lang="de-DE" sz="2400" dirty="0"/>
-              <a:t> Popfinger </a:t>
+              <a:t>Domenik Popfinger 	</a:t>
             </a:r>
             <a:r>
               <a:rPr lang="de-DE" dirty="0"/>
@@ -4233,7 +4361,7 @@
           <a:p>
             <a:r>
               <a:rPr lang="de-DE" sz="2400" dirty="0"/>
-              <a:t>Manuel Neuberger </a:t>
+              <a:t>Manuel Neuberger 	</a:t>
             </a:r>
             <a:r>
               <a:rPr lang="de-DE" dirty="0"/>
@@ -4246,35 +4374,25 @@
           <a:p>
             <a:r>
               <a:rPr lang="de-DE" sz="2400" dirty="0"/>
-              <a:t>Johann Bernhard </a:t>
-            </a:r>
-            <a:r>
-              <a:rPr lang="de-DE" dirty="0" err="1"/>
+              <a:t>Johann Bernhard 		</a:t>
+            </a:r>
+            <a:r>
+              <a:rPr lang="de-DE" dirty="0"/>
               <a:t>Didaktikexperte</a:t>
             </a:r>
+          </a:p>
+          <a:p>
             <a:endParaRPr lang="de-DE" dirty="0"/>
           </a:p>
           <a:p>
-            <a:endParaRPr lang="de-DE" dirty="0"/>
-          </a:p>
-          <a:p>
             <a:r>
               <a:rPr lang="de-DE" sz="2400" dirty="0"/>
-              <a:t>Jean-Luc </a:t>
-            </a:r>
-            <a:r>
-              <a:rPr lang="de-DE" sz="2400" dirty="0" err="1"/>
-              <a:t>Etgen</a:t>
-            </a:r>
-            <a:r>
-              <a:rPr lang="de-DE" sz="2400" dirty="0"/>
-              <a:t> </a:t>
-            </a:r>
-            <a:r>
-              <a:rPr lang="de-DE" dirty="0" err="1"/>
+              <a:t>Jean-Luc Etgen 		</a:t>
+            </a:r>
+            <a:r>
+              <a:rPr lang="de-DE" dirty="0"/>
               <a:t>Systemprogrammer</a:t>
             </a:r>
-            <a:endParaRPr lang="de-DE" dirty="0"/>
           </a:p>
           <a:p>
             <a:endParaRPr lang="de-DE" dirty="0"/>
@@ -4286,7 +4404,7 @@
             </a:r>
             <a:r>
               <a:rPr lang="de-DE" dirty="0"/>
-              <a:t>Game Designer</a:t>
+              <a:t>Game 		Designer</a:t>
             </a:r>
             <a:endParaRPr lang="de-DE" sz="2400" dirty="0"/>
           </a:p>
@@ -4665,7 +4783,7 @@
             </a:r>
             <a:r>
               <a:rPr lang="en-GB" sz="2000" dirty="0"/>
-              <a:t> Memory</a:t>
+              <a:t>-Memory</a:t>
             </a:r>
           </a:p>
           <a:p>
@@ -4696,7 +4814,15 @@
             <a:pPr lvl="1"/>
             <a:r>
               <a:rPr lang="en-GB" sz="2400" dirty="0" err="1"/>
-              <a:t>Erweiterter</a:t>
+              <a:t>Priorisierung</a:t>
+            </a:r>
+            <a:r>
+              <a:rPr lang="en-GB" sz="2400" dirty="0"/>
+              <a:t> von </a:t>
+            </a:r>
+            <a:r>
+              <a:rPr lang="en-GB" sz="2400" dirty="0" err="1"/>
+              <a:t>Spielen</a:t>
             </a:r>
             <a:r>
               <a:rPr lang="en-GB" sz="2400" dirty="0"/>
@@ -4704,25 +4830,12 @@
             </a:r>
             <a:r>
               <a:rPr lang="en-GB" sz="2400" dirty="0" err="1"/>
-              <a:t>Zugriff</a:t>
+              <a:t>durch</a:t>
             </a:r>
             <a:r>
               <a:rPr lang="en-GB" sz="2400" dirty="0"/>
-              <a:t> </a:t>
-            </a:r>
-            <a:r>
-              <a:rPr lang="en-GB" sz="2400" dirty="0" err="1"/>
-              <a:t>für</a:t>
-            </a:r>
-            <a:r>
-              <a:rPr lang="en-GB" sz="2400" dirty="0"/>
-              <a:t> </a:t>
-            </a:r>
-            <a:r>
-              <a:rPr lang="en-GB" sz="2400" dirty="0" err="1"/>
-              <a:t>Administratoren</a:t>
-            </a:r>
-            <a:endParaRPr lang="en-GB" sz="2400" dirty="0"/>
+              <a:t> Management</a:t>
+            </a:r>
           </a:p>
           <a:p>
             <a:pPr marL="0" indent="0">
@@ -4748,8 +4861,8 @@
         </p:blipFill>
         <p:spPr>
           <a:xfrm>
-            <a:off x="6826469" y="2084832"/>
-            <a:ext cx="5140444" cy="2893444"/>
+            <a:off x="7414845" y="2286000"/>
+            <a:ext cx="4452421" cy="2506171"/>
           </a:xfrm>
           <a:prstGeom prst="rect">
             <a:avLst/>
@@ -6657,7 +6770,7 @@
       </p:grpSpPr>
       <p:sp>
         <p:nvSpPr>
-          <p:cNvPr id="2" name="Titel 1"/>
+          <p:cNvPr id="2" name="Title 1"/>
           <p:cNvSpPr>
             <a:spLocks noGrp="1"/>
           </p:cNvSpPr>
@@ -6671,15 +6784,28 @@
           <a:lstStyle/>
           <a:p>
             <a:r>
-              <a:rPr lang="de-DE" dirty="0"/>
-              <a:t>Ausblick</a:t>
-            </a:r>
-          </a:p>
-        </p:txBody>
-      </p:sp>
-      <p:sp>
-        <p:nvSpPr>
-          <p:cNvPr id="3" name="Inhaltsplatzhalter 2"/>
+              <a:rPr lang="en-US" dirty="0" err="1"/>
+              <a:t>Vorteile</a:t>
+            </a:r>
+            <a:r>
+              <a:rPr lang="en-US" dirty="0"/>
+              <a:t> </a:t>
+            </a:r>
+            <a:r>
+              <a:rPr lang="en-US" dirty="0" err="1"/>
+              <a:t>für</a:t>
+            </a:r>
+            <a:r>
+              <a:rPr lang="en-US" dirty="0"/>
+              <a:t> Marriot</a:t>
+            </a:r>
+            <a:endParaRPr lang="de-DE" dirty="0"/>
+          </a:p>
+        </p:txBody>
+      </p:sp>
+      <p:sp>
+        <p:nvSpPr>
+          <p:cNvPr id="4" name="Inhaltsplatzhalter 2"/>
           <p:cNvSpPr>
             <a:spLocks noGrp="1"/>
           </p:cNvSpPr>
@@ -6687,79 +6813,150 @@
             <p:ph idx="1"/>
           </p:nvPr>
         </p:nvSpPr>
-        <p:spPr/>
-        <p:txBody>
-          <a:bodyPr/>
+        <p:spPr>
+          <a:xfrm>
+            <a:off x="1024129" y="2084832"/>
+            <a:ext cx="4940390" cy="4160580"/>
+          </a:xfrm>
+        </p:spPr>
+        <p:txBody>
+          <a:bodyPr>
+            <a:normAutofit/>
+          </a:bodyPr>
           <a:lstStyle/>
           <a:p>
             <a:pPr lvl="1"/>
             <a:r>
-              <a:rPr lang="en-GB" sz="2400" dirty="0" err="1"/>
-              <a:t>Serverkosten</a:t>
-            </a:r>
-            <a:r>
-              <a:rPr lang="en-GB" sz="2400" dirty="0"/>
-              <a:t> (</a:t>
-            </a:r>
-            <a:r>
-              <a:rPr lang="en-GB" sz="2400" dirty="0" err="1"/>
-              <a:t>mit</a:t>
-            </a:r>
-            <a:r>
-              <a:rPr lang="en-GB" sz="2400" dirty="0"/>
+              <a:rPr lang="en-GB" sz="2800" dirty="0" err="1"/>
+              <a:t>Effektivere</a:t>
+            </a:r>
+            <a:r>
+              <a:rPr lang="en-GB" sz="2800" dirty="0"/>
+              <a:t> Briefings </a:t>
+            </a:r>
+            <a:r>
+              <a:rPr lang="en-GB" sz="2800" dirty="0" err="1"/>
+              <a:t>für</a:t>
+            </a:r>
+            <a:r>
+              <a:rPr lang="en-GB" sz="2800" dirty="0"/>
               <a:t> </a:t>
             </a:r>
             <a:r>
-              <a:rPr lang="en-GB" sz="2400" dirty="0" err="1"/>
-              <a:t>Wartung</a:t>
-            </a:r>
-            <a:r>
-              <a:rPr lang="en-GB" sz="2400" dirty="0"/>
-              <a:t> ca. 1700€ </a:t>
-            </a:r>
-            <a:r>
-              <a:rPr lang="en-GB" sz="2400" dirty="0" err="1"/>
-              <a:t>im</a:t>
-            </a:r>
-            <a:r>
-              <a:rPr lang="en-GB" sz="2400" dirty="0"/>
-              <a:t> Monat)</a:t>
-            </a:r>
+              <a:rPr lang="en-GB" sz="2800" dirty="0" err="1"/>
+              <a:t>Angestellte</a:t>
+            </a:r>
+            <a:endParaRPr lang="en-GB" sz="2800" dirty="0"/>
+          </a:p>
+          <a:p>
+            <a:pPr lvl="2"/>
+            <a:r>
+              <a:rPr lang="en-GB" sz="2000" dirty="0" err="1"/>
+              <a:t>Kostenersparnis</a:t>
+            </a:r>
+            <a:endParaRPr lang="en-GB" sz="2000" dirty="0"/>
+          </a:p>
+          <a:p>
+            <a:pPr lvl="2"/>
+            <a:r>
+              <a:rPr lang="en-GB" sz="2000" dirty="0"/>
+              <a:t>Motivation</a:t>
+            </a:r>
+          </a:p>
+          <a:p>
+            <a:pPr lvl="2"/>
+            <a:r>
+              <a:rPr lang="en-GB" sz="2000" dirty="0" err="1"/>
+              <a:t>Individuelle</a:t>
+            </a:r>
+            <a:r>
+              <a:rPr lang="en-GB" sz="2000" dirty="0"/>
+              <a:t> </a:t>
+            </a:r>
+            <a:r>
+              <a:rPr lang="en-GB" sz="2000" dirty="0" err="1"/>
+              <a:t>Inhalte</a:t>
+            </a:r>
+            <a:r>
+              <a:rPr lang="en-GB" sz="2000" dirty="0"/>
+              <a:t> </a:t>
+            </a:r>
+            <a:r>
+              <a:rPr lang="en-GB" sz="2000" dirty="0" err="1"/>
+              <a:t>didaktisch</a:t>
+            </a:r>
+            <a:r>
+              <a:rPr lang="en-GB" sz="2000" dirty="0"/>
+              <a:t> </a:t>
+            </a:r>
+            <a:r>
+              <a:rPr lang="en-GB" sz="2000" dirty="0" err="1"/>
+              <a:t>vermittelt</a:t>
+            </a:r>
+            <a:endParaRPr lang="en-GB" sz="2000" dirty="0"/>
           </a:p>
           <a:p>
             <a:pPr lvl="1"/>
             <a:r>
-              <a:rPr lang="en-GB" sz="2400" dirty="0" err="1"/>
-              <a:t>Gute</a:t>
-            </a:r>
-            <a:r>
-              <a:rPr lang="en-GB" sz="2400" dirty="0"/>
-              <a:t> </a:t>
-            </a:r>
-            <a:r>
-              <a:rPr lang="en-GB" sz="2400" dirty="0" err="1"/>
-              <a:t>Erweiterbarkeit</a:t>
-            </a:r>
-            <a:endParaRPr lang="en-GB" sz="2400" dirty="0"/>
+              <a:rPr lang="en-GB" sz="2800" dirty="0" err="1"/>
+              <a:t>Zukunftsorientierung</a:t>
+            </a:r>
+            <a:endParaRPr lang="en-GB" sz="2800" dirty="0"/>
           </a:p>
           <a:p>
             <a:pPr lvl="1"/>
             <a:r>
-              <a:rPr lang="en-GB" sz="2400" dirty="0"/>
-              <a:t>Deployment </a:t>
-            </a:r>
-            <a:r>
-              <a:rPr lang="en-GB" sz="2400" dirty="0" err="1"/>
-              <a:t>weltweit</a:t>
-            </a:r>
-            <a:endParaRPr lang="de-DE" dirty="0"/>
-          </a:p>
-        </p:txBody>
-      </p:sp>
+              <a:rPr lang="en-GB" sz="2800" dirty="0"/>
+              <a:t>Innovation Gamification</a:t>
+            </a:r>
+          </a:p>
+        </p:txBody>
+      </p:sp>
+      <p:pic>
+        <p:nvPicPr>
+          <p:cNvPr id="1026" name="Picture 2" descr="http://logodatabases.com/wp-content/uploads/2012/03/Marriott-Hotels-Logo.jpg"/>
+          <p:cNvPicPr>
+            <a:picLocks noChangeAspect="1" noChangeArrowheads="1"/>
+          </p:cNvPicPr>
+          <p:nvPr/>
+        </p:nvPicPr>
+        <p:blipFill>
+          <a:blip r:embed="rId2">
+            <a:extLst>
+              <a:ext uri="{28A0092B-C50C-407E-A947-70E740481C1C}">
+                <a14:useLocalDpi xmlns:a14="http://schemas.microsoft.com/office/drawing/2010/main" val="0"/>
+              </a:ext>
+            </a:extLst>
+          </a:blip>
+          <a:srcRect/>
+          <a:stretch>
+            <a:fillRect/>
+          </a:stretch>
+        </p:blipFill>
+        <p:spPr bwMode="auto">
+          <a:xfrm>
+            <a:off x="6078070" y="2084832"/>
+            <a:ext cx="5569233" cy="1188103"/>
+          </a:xfrm>
+          <a:prstGeom prst="rect">
+            <a:avLst/>
+          </a:prstGeom>
+          <a:noFill/>
+          <a:extLst>
+            <a:ext uri="{909E8E84-426E-40DD-AFC4-6F175D3DCCD1}">
+              <a14:hiddenFill xmlns:a14="http://schemas.microsoft.com/office/drawing/2010/main">
+                <a:solidFill>
+                  <a:srgbClr val="FFFFFF"/>
+                </a:solidFill>
+              </a14:hiddenFill>
+            </a:ext>
+          </a:extLst>
+        </p:spPr>
+      </p:pic>
     </p:spTree>
     <p:extLst>
       <p:ext uri="{BB962C8B-B14F-4D97-AF65-F5344CB8AC3E}">
-        <p14:creationId xmlns:p14="http://schemas.microsoft.com/office/powerpoint/2010/main" val="241385723"/>
+        <p14:creationId xmlns:p14="http://schemas.microsoft.com/office/powerpoint/2010/main" val="3657335149"/>
       </p:ext>
     </p:extLst>
   </p:cSld>
